--- a/Документация/Выступление.pptx
+++ b/Документация/Выступление.pptx
@@ -4,6 +4,9 @@
   <p:sldMasterIdLst>
     <p:sldMasterId id="2147483694" r:id="rId1"/>
   </p:sldMasterIdLst>
+  <p:notesMasterIdLst>
+    <p:notesMasterId r:id="rId10"/>
+  </p:notesMasterIdLst>
   <p:sldIdLst>
     <p:sldId id="256" r:id="rId2"/>
     <p:sldId id="257" r:id="rId3"/>
@@ -117,6 +120,1297 @@
     </p:ext>
   </p:extLst>
 </p:presentation>
+</file>
+
+<file path=ppt/notesMasters/notesMaster1.xml><?xml version="1.0" encoding="utf-8"?>
+<p:notesMaster xmlns:a="http://schemas.openxmlformats.org/drawingml/2006/main" xmlns:r="http://schemas.openxmlformats.org/officeDocument/2006/relationships" xmlns:p="http://schemas.openxmlformats.org/presentationml/2006/main">
+  <p:cSld>
+    <p:bg>
+      <p:bgRef idx="1001">
+        <a:schemeClr val="bg1"/>
+      </p:bgRef>
+    </p:bg>
+    <p:spTree>
+      <p:nvGrpSpPr>
+        <p:cNvPr id="1" name=""/>
+        <p:cNvGrpSpPr/>
+        <p:nvPr/>
+      </p:nvGrpSpPr>
+      <p:grpSpPr>
+        <a:xfrm>
+          <a:off x="0" y="0"/>
+          <a:ext cx="0" cy="0"/>
+          <a:chOff x="0" y="0"/>
+          <a:chExt cx="0" cy="0"/>
+        </a:xfrm>
+      </p:grpSpPr>
+      <p:sp>
+        <p:nvSpPr>
+          <p:cNvPr id="2" name="Верхний колонтитул 1"/>
+          <p:cNvSpPr>
+            <a:spLocks noGrp="1"/>
+          </p:cNvSpPr>
+          <p:nvPr>
+            <p:ph type="hdr" sz="quarter"/>
+          </p:nvPr>
+        </p:nvSpPr>
+        <p:spPr>
+          <a:xfrm>
+            <a:off x="0" y="0"/>
+            <a:ext cx="2971800" cy="458788"/>
+          </a:xfrm>
+          <a:prstGeom prst="rect">
+            <a:avLst/>
+          </a:prstGeom>
+        </p:spPr>
+        <p:txBody>
+          <a:bodyPr vert="horz" lIns="91440" tIns="45720" rIns="91440" bIns="45720" rtlCol="0"/>
+          <a:lstStyle>
+            <a:lvl1pPr algn="l">
+              <a:defRPr sz="1200"/>
+            </a:lvl1pPr>
+          </a:lstStyle>
+          <a:p>
+            <a:endParaRPr lang="ru-RU"/>
+          </a:p>
+        </p:txBody>
+      </p:sp>
+      <p:sp>
+        <p:nvSpPr>
+          <p:cNvPr id="3" name="Дата 2"/>
+          <p:cNvSpPr>
+            <a:spLocks noGrp="1"/>
+          </p:cNvSpPr>
+          <p:nvPr>
+            <p:ph type="dt" idx="1"/>
+          </p:nvPr>
+        </p:nvSpPr>
+        <p:spPr>
+          <a:xfrm>
+            <a:off x="3884613" y="0"/>
+            <a:ext cx="2971800" cy="458788"/>
+          </a:xfrm>
+          <a:prstGeom prst="rect">
+            <a:avLst/>
+          </a:prstGeom>
+        </p:spPr>
+        <p:txBody>
+          <a:bodyPr vert="horz" lIns="91440" tIns="45720" rIns="91440" bIns="45720" rtlCol="0"/>
+          <a:lstStyle>
+            <a:lvl1pPr algn="r">
+              <a:defRPr sz="1200"/>
+            </a:lvl1pPr>
+          </a:lstStyle>
+          <a:p>
+            <a:fld id="{7C6EAC72-3142-4B89-A3EA-048F1027DFB3}" type="datetimeFigureOut">
+              <a:rPr lang="ru-RU" smtClean="0"/>
+              <a:t>23.06.2023</a:t>
+            </a:fld>
+            <a:endParaRPr lang="ru-RU"/>
+          </a:p>
+        </p:txBody>
+      </p:sp>
+      <p:sp>
+        <p:nvSpPr>
+          <p:cNvPr id="4" name="Образ слайда 3"/>
+          <p:cNvSpPr>
+            <a:spLocks noGrp="1" noRot="1" noChangeAspect="1"/>
+          </p:cNvSpPr>
+          <p:nvPr>
+            <p:ph type="sldImg" idx="2"/>
+          </p:nvPr>
+        </p:nvSpPr>
+        <p:spPr>
+          <a:xfrm>
+            <a:off x="685800" y="1143000"/>
+            <a:ext cx="5486400" cy="3086100"/>
+          </a:xfrm>
+          <a:prstGeom prst="rect">
+            <a:avLst/>
+          </a:prstGeom>
+          <a:noFill/>
+          <a:ln w="12700">
+            <a:solidFill>
+              <a:prstClr val="black"/>
+            </a:solidFill>
+          </a:ln>
+        </p:spPr>
+        <p:txBody>
+          <a:bodyPr vert="horz" lIns="91440" tIns="45720" rIns="91440" bIns="45720" rtlCol="0" anchor="ctr"/>
+          <a:lstStyle/>
+          <a:p>
+            <a:endParaRPr lang="ru-RU"/>
+          </a:p>
+        </p:txBody>
+      </p:sp>
+      <p:sp>
+        <p:nvSpPr>
+          <p:cNvPr id="5" name="Заметки 4"/>
+          <p:cNvSpPr>
+            <a:spLocks noGrp="1"/>
+          </p:cNvSpPr>
+          <p:nvPr>
+            <p:ph type="body" sz="quarter" idx="3"/>
+          </p:nvPr>
+        </p:nvSpPr>
+        <p:spPr>
+          <a:xfrm>
+            <a:off x="685800" y="4400550"/>
+            <a:ext cx="5486400" cy="3600450"/>
+          </a:xfrm>
+          <a:prstGeom prst="rect">
+            <a:avLst/>
+          </a:prstGeom>
+        </p:spPr>
+        <p:txBody>
+          <a:bodyPr vert="horz" lIns="91440" tIns="45720" rIns="91440" bIns="45720" rtlCol="0"/>
+          <a:lstStyle/>
+          <a:p>
+            <a:pPr lvl="0"/>
+            <a:r>
+              <a:rPr lang="ru-RU"/>
+              <a:t>Образец текста</a:t>
+            </a:r>
+          </a:p>
+          <a:p>
+            <a:pPr lvl="1"/>
+            <a:r>
+              <a:rPr lang="ru-RU"/>
+              <a:t>Второй уровень</a:t>
+            </a:r>
+          </a:p>
+          <a:p>
+            <a:pPr lvl="2"/>
+            <a:r>
+              <a:rPr lang="ru-RU"/>
+              <a:t>Третий уровень</a:t>
+            </a:r>
+          </a:p>
+          <a:p>
+            <a:pPr lvl="3"/>
+            <a:r>
+              <a:rPr lang="ru-RU"/>
+              <a:t>Четвертый уровень</a:t>
+            </a:r>
+          </a:p>
+          <a:p>
+            <a:pPr lvl="4"/>
+            <a:r>
+              <a:rPr lang="ru-RU"/>
+              <a:t>Пятый уровень</a:t>
+            </a:r>
+          </a:p>
+        </p:txBody>
+      </p:sp>
+      <p:sp>
+        <p:nvSpPr>
+          <p:cNvPr id="6" name="Нижний колонтитул 5"/>
+          <p:cNvSpPr>
+            <a:spLocks noGrp="1"/>
+          </p:cNvSpPr>
+          <p:nvPr>
+            <p:ph type="ftr" sz="quarter" idx="4"/>
+          </p:nvPr>
+        </p:nvSpPr>
+        <p:spPr>
+          <a:xfrm>
+            <a:off x="0" y="8685213"/>
+            <a:ext cx="2971800" cy="458787"/>
+          </a:xfrm>
+          <a:prstGeom prst="rect">
+            <a:avLst/>
+          </a:prstGeom>
+        </p:spPr>
+        <p:txBody>
+          <a:bodyPr vert="horz" lIns="91440" tIns="45720" rIns="91440" bIns="45720" rtlCol="0" anchor="b"/>
+          <a:lstStyle>
+            <a:lvl1pPr algn="l">
+              <a:defRPr sz="1200"/>
+            </a:lvl1pPr>
+          </a:lstStyle>
+          <a:p>
+            <a:endParaRPr lang="ru-RU"/>
+          </a:p>
+        </p:txBody>
+      </p:sp>
+      <p:sp>
+        <p:nvSpPr>
+          <p:cNvPr id="7" name="Номер слайда 6"/>
+          <p:cNvSpPr>
+            <a:spLocks noGrp="1"/>
+          </p:cNvSpPr>
+          <p:nvPr>
+            <p:ph type="sldNum" sz="quarter" idx="5"/>
+          </p:nvPr>
+        </p:nvSpPr>
+        <p:spPr>
+          <a:xfrm>
+            <a:off x="3884613" y="8685213"/>
+            <a:ext cx="2971800" cy="458787"/>
+          </a:xfrm>
+          <a:prstGeom prst="rect">
+            <a:avLst/>
+          </a:prstGeom>
+        </p:spPr>
+        <p:txBody>
+          <a:bodyPr vert="horz" lIns="91440" tIns="45720" rIns="91440" bIns="45720" rtlCol="0" anchor="b"/>
+          <a:lstStyle>
+            <a:lvl1pPr algn="r">
+              <a:defRPr sz="1200"/>
+            </a:lvl1pPr>
+          </a:lstStyle>
+          <a:p>
+            <a:fld id="{D39FC642-518E-40E7-A460-0A1461830D90}" type="slidenum">
+              <a:rPr lang="ru-RU" smtClean="0"/>
+              <a:t>‹#›</a:t>
+            </a:fld>
+            <a:endParaRPr lang="ru-RU"/>
+          </a:p>
+        </p:txBody>
+      </p:sp>
+    </p:spTree>
+    <p:extLst>
+      <p:ext uri="{BB962C8B-B14F-4D97-AF65-F5344CB8AC3E}">
+        <p14:creationId xmlns:p14="http://schemas.microsoft.com/office/powerpoint/2010/main" val="1848960261"/>
+      </p:ext>
+    </p:extLst>
+  </p:cSld>
+  <p:clrMap bg1="lt1" tx1="dk1" bg2="lt2" tx2="dk2" accent1="accent1" accent2="accent2" accent3="accent3" accent4="accent4" accent5="accent5" accent6="accent6" hlink="hlink" folHlink="folHlink"/>
+  <p:notesStyle>
+    <a:lvl1pPr marL="0" algn="l" defTabSz="914400" rtl="0" eaLnBrk="1" latinLnBrk="0" hangingPunct="1">
+      <a:defRPr sz="1200" kern="1200">
+        <a:solidFill>
+          <a:schemeClr val="tx1"/>
+        </a:solidFill>
+        <a:latin typeface="+mn-lt"/>
+        <a:ea typeface="+mn-ea"/>
+        <a:cs typeface="+mn-cs"/>
+      </a:defRPr>
+    </a:lvl1pPr>
+    <a:lvl2pPr marL="457200" algn="l" defTabSz="914400" rtl="0" eaLnBrk="1" latinLnBrk="0" hangingPunct="1">
+      <a:defRPr sz="1200" kern="1200">
+        <a:solidFill>
+          <a:schemeClr val="tx1"/>
+        </a:solidFill>
+        <a:latin typeface="+mn-lt"/>
+        <a:ea typeface="+mn-ea"/>
+        <a:cs typeface="+mn-cs"/>
+      </a:defRPr>
+    </a:lvl2pPr>
+    <a:lvl3pPr marL="914400" algn="l" defTabSz="914400" rtl="0" eaLnBrk="1" latinLnBrk="0" hangingPunct="1">
+      <a:defRPr sz="1200" kern="1200">
+        <a:solidFill>
+          <a:schemeClr val="tx1"/>
+        </a:solidFill>
+        <a:latin typeface="+mn-lt"/>
+        <a:ea typeface="+mn-ea"/>
+        <a:cs typeface="+mn-cs"/>
+      </a:defRPr>
+    </a:lvl3pPr>
+    <a:lvl4pPr marL="1371600" algn="l" defTabSz="914400" rtl="0" eaLnBrk="1" latinLnBrk="0" hangingPunct="1">
+      <a:defRPr sz="1200" kern="1200">
+        <a:solidFill>
+          <a:schemeClr val="tx1"/>
+        </a:solidFill>
+        <a:latin typeface="+mn-lt"/>
+        <a:ea typeface="+mn-ea"/>
+        <a:cs typeface="+mn-cs"/>
+      </a:defRPr>
+    </a:lvl4pPr>
+    <a:lvl5pPr marL="1828800" algn="l" defTabSz="914400" rtl="0" eaLnBrk="1" latinLnBrk="0" hangingPunct="1">
+      <a:defRPr sz="1200" kern="1200">
+        <a:solidFill>
+          <a:schemeClr val="tx1"/>
+        </a:solidFill>
+        <a:latin typeface="+mn-lt"/>
+        <a:ea typeface="+mn-ea"/>
+        <a:cs typeface="+mn-cs"/>
+      </a:defRPr>
+    </a:lvl5pPr>
+    <a:lvl6pPr marL="2286000" algn="l" defTabSz="914400" rtl="0" eaLnBrk="1" latinLnBrk="0" hangingPunct="1">
+      <a:defRPr sz="1200" kern="1200">
+        <a:solidFill>
+          <a:schemeClr val="tx1"/>
+        </a:solidFill>
+        <a:latin typeface="+mn-lt"/>
+        <a:ea typeface="+mn-ea"/>
+        <a:cs typeface="+mn-cs"/>
+      </a:defRPr>
+    </a:lvl6pPr>
+    <a:lvl7pPr marL="2743200" algn="l" defTabSz="914400" rtl="0" eaLnBrk="1" latinLnBrk="0" hangingPunct="1">
+      <a:defRPr sz="1200" kern="1200">
+        <a:solidFill>
+          <a:schemeClr val="tx1"/>
+        </a:solidFill>
+        <a:latin typeface="+mn-lt"/>
+        <a:ea typeface="+mn-ea"/>
+        <a:cs typeface="+mn-cs"/>
+      </a:defRPr>
+    </a:lvl7pPr>
+    <a:lvl8pPr marL="3200400" algn="l" defTabSz="914400" rtl="0" eaLnBrk="1" latinLnBrk="0" hangingPunct="1">
+      <a:defRPr sz="1200" kern="1200">
+        <a:solidFill>
+          <a:schemeClr val="tx1"/>
+        </a:solidFill>
+        <a:latin typeface="+mn-lt"/>
+        <a:ea typeface="+mn-ea"/>
+        <a:cs typeface="+mn-cs"/>
+      </a:defRPr>
+    </a:lvl8pPr>
+    <a:lvl9pPr marL="3657600" algn="l" defTabSz="914400" rtl="0" eaLnBrk="1" latinLnBrk="0" hangingPunct="1">
+      <a:defRPr sz="1200" kern="1200">
+        <a:solidFill>
+          <a:schemeClr val="tx1"/>
+        </a:solidFill>
+        <a:latin typeface="+mn-lt"/>
+        <a:ea typeface="+mn-ea"/>
+        <a:cs typeface="+mn-cs"/>
+      </a:defRPr>
+    </a:lvl9pPr>
+  </p:notesStyle>
+</p:notesMaster>
+</file>
+
+<file path=ppt/notesSlides/notesSlide1.xml><?xml version="1.0" encoding="utf-8"?>
+<p:notes xmlns:a="http://schemas.openxmlformats.org/drawingml/2006/main" xmlns:r="http://schemas.openxmlformats.org/officeDocument/2006/relationships" xmlns:p="http://schemas.openxmlformats.org/presentationml/2006/main">
+  <p:cSld>
+    <p:spTree>
+      <p:nvGrpSpPr>
+        <p:cNvPr id="1" name=""/>
+        <p:cNvGrpSpPr/>
+        <p:nvPr/>
+      </p:nvGrpSpPr>
+      <p:grpSpPr>
+        <a:xfrm>
+          <a:off x="0" y="0"/>
+          <a:ext cx="0" cy="0"/>
+          <a:chOff x="0" y="0"/>
+          <a:chExt cx="0" cy="0"/>
+        </a:xfrm>
+      </p:grpSpPr>
+      <p:sp>
+        <p:nvSpPr>
+          <p:cNvPr id="2" name="Образ слайда 1"/>
+          <p:cNvSpPr>
+            <a:spLocks noGrp="1" noRot="1" noChangeAspect="1"/>
+          </p:cNvSpPr>
+          <p:nvPr>
+            <p:ph type="sldImg"/>
+          </p:nvPr>
+        </p:nvSpPr>
+        <p:spPr/>
+      </p:sp>
+      <p:sp>
+        <p:nvSpPr>
+          <p:cNvPr id="3" name="Заметки 2"/>
+          <p:cNvSpPr>
+            <a:spLocks noGrp="1"/>
+          </p:cNvSpPr>
+          <p:nvPr>
+            <p:ph type="body" idx="1"/>
+          </p:nvPr>
+        </p:nvSpPr>
+        <p:spPr/>
+        <p:txBody>
+          <a:bodyPr/>
+          <a:lstStyle/>
+          <a:p>
+            <a:pPr>
+              <a:lnSpc>
+                <a:spcPct val="107000"/>
+              </a:lnSpc>
+              <a:spcAft>
+                <a:spcPts val="800"/>
+              </a:spcAft>
+            </a:pPr>
+            <a:r>
+              <a:rPr lang="ru-RU" sz="1800" dirty="0">
+                <a:effectLst/>
+                <a:latin typeface="Calibri" panose="020F0502020204030204" pitchFamily="34" charset="0"/>
+                <a:ea typeface="Calibri" panose="020F0502020204030204" pitchFamily="34" charset="0"/>
+                <a:cs typeface="Times New Roman" panose="02020603050405020304" pitchFamily="18" charset="0"/>
+              </a:rPr>
+              <a:t>Добрый день, уважаемые члены комиссии!</a:t>
+            </a:r>
+          </a:p>
+          <a:p>
+            <a:pPr>
+              <a:lnSpc>
+                <a:spcPct val="107000"/>
+              </a:lnSpc>
+              <a:spcAft>
+                <a:spcPts val="800"/>
+              </a:spcAft>
+            </a:pPr>
+            <a:r>
+              <a:rPr lang="ru-RU" sz="1800" dirty="0">
+                <a:effectLst/>
+                <a:latin typeface="Calibri" panose="020F0502020204030204" pitchFamily="34" charset="0"/>
+                <a:ea typeface="Calibri" panose="020F0502020204030204" pitchFamily="34" charset="0"/>
+                <a:cs typeface="Times New Roman" panose="02020603050405020304" pitchFamily="18" charset="0"/>
+              </a:rPr>
+              <a:t>Меня зовут </a:t>
+            </a:r>
+            <a:r>
+              <a:rPr lang="ru-RU" sz="1800" dirty="0" err="1">
+                <a:effectLst/>
+                <a:latin typeface="Calibri" panose="020F0502020204030204" pitchFamily="34" charset="0"/>
+                <a:ea typeface="Calibri" panose="020F0502020204030204" pitchFamily="34" charset="0"/>
+                <a:cs typeface="Times New Roman" panose="02020603050405020304" pitchFamily="18" charset="0"/>
+              </a:rPr>
+              <a:t>Нужин</a:t>
+            </a:r>
+            <a:r>
+              <a:rPr lang="ru-RU" sz="1800" dirty="0">
+                <a:effectLst/>
+                <a:latin typeface="Calibri" panose="020F0502020204030204" pitchFamily="34" charset="0"/>
+                <a:ea typeface="Calibri" panose="020F0502020204030204" pitchFamily="34" charset="0"/>
+                <a:cs typeface="Times New Roman" panose="02020603050405020304" pitchFamily="18" charset="0"/>
+              </a:rPr>
+              <a:t> Андрей. Я студент группы 4ИС2.</a:t>
+            </a:r>
+          </a:p>
+          <a:p>
+            <a:pPr>
+              <a:lnSpc>
+                <a:spcPct val="107000"/>
+              </a:lnSpc>
+              <a:spcAft>
+                <a:spcPts val="800"/>
+              </a:spcAft>
+            </a:pPr>
+            <a:r>
+              <a:rPr lang="ru-RU" sz="1800" dirty="0">
+                <a:effectLst/>
+                <a:latin typeface="Calibri" panose="020F0502020204030204" pitchFamily="34" charset="0"/>
+                <a:ea typeface="Calibri" panose="020F0502020204030204" pitchFamily="34" charset="0"/>
+                <a:cs typeface="Times New Roman" panose="02020603050405020304" pitchFamily="18" charset="0"/>
+              </a:rPr>
+              <a:t>Я хочу представить вашему вниманию свою дипломную работу «Клиент-серверное приложение по ведению региональных проектов субъектом РФ».</a:t>
+            </a:r>
+          </a:p>
+          <a:p>
+            <a:endParaRPr lang="ru-RU" dirty="0"/>
+          </a:p>
+        </p:txBody>
+      </p:sp>
+      <p:sp>
+        <p:nvSpPr>
+          <p:cNvPr id="4" name="Номер слайда 3"/>
+          <p:cNvSpPr>
+            <a:spLocks noGrp="1"/>
+          </p:cNvSpPr>
+          <p:nvPr>
+            <p:ph type="sldNum" sz="quarter" idx="5"/>
+          </p:nvPr>
+        </p:nvSpPr>
+        <p:spPr/>
+        <p:txBody>
+          <a:bodyPr/>
+          <a:lstStyle/>
+          <a:p>
+            <a:fld id="{D39FC642-518E-40E7-A460-0A1461830D90}" type="slidenum">
+              <a:rPr lang="ru-RU" smtClean="0"/>
+              <a:t>1</a:t>
+            </a:fld>
+            <a:endParaRPr lang="ru-RU"/>
+          </a:p>
+        </p:txBody>
+      </p:sp>
+    </p:spTree>
+    <p:extLst>
+      <p:ext uri="{BB962C8B-B14F-4D97-AF65-F5344CB8AC3E}">
+        <p14:creationId xmlns:p14="http://schemas.microsoft.com/office/powerpoint/2010/main" val="269257418"/>
+      </p:ext>
+    </p:extLst>
+  </p:cSld>
+  <p:clrMapOvr>
+    <a:masterClrMapping/>
+  </p:clrMapOvr>
+</p:notes>
+</file>
+
+<file path=ppt/notesSlides/notesSlide2.xml><?xml version="1.0" encoding="utf-8"?>
+<p:notes xmlns:a="http://schemas.openxmlformats.org/drawingml/2006/main" xmlns:r="http://schemas.openxmlformats.org/officeDocument/2006/relationships" xmlns:p="http://schemas.openxmlformats.org/presentationml/2006/main">
+  <p:cSld>
+    <p:spTree>
+      <p:nvGrpSpPr>
+        <p:cNvPr id="1" name=""/>
+        <p:cNvGrpSpPr/>
+        <p:nvPr/>
+      </p:nvGrpSpPr>
+      <p:grpSpPr>
+        <a:xfrm>
+          <a:off x="0" y="0"/>
+          <a:ext cx="0" cy="0"/>
+          <a:chOff x="0" y="0"/>
+          <a:chExt cx="0" cy="0"/>
+        </a:xfrm>
+      </p:grpSpPr>
+      <p:sp>
+        <p:nvSpPr>
+          <p:cNvPr id="2" name="Образ слайда 1"/>
+          <p:cNvSpPr>
+            <a:spLocks noGrp="1" noRot="1" noChangeAspect="1"/>
+          </p:cNvSpPr>
+          <p:nvPr>
+            <p:ph type="sldImg"/>
+          </p:nvPr>
+        </p:nvSpPr>
+        <p:spPr/>
+      </p:sp>
+      <p:sp>
+        <p:nvSpPr>
+          <p:cNvPr id="3" name="Заметки 2"/>
+          <p:cNvSpPr>
+            <a:spLocks noGrp="1"/>
+          </p:cNvSpPr>
+          <p:nvPr>
+            <p:ph type="body" idx="1"/>
+          </p:nvPr>
+        </p:nvSpPr>
+        <p:spPr/>
+        <p:txBody>
+          <a:bodyPr/>
+          <a:lstStyle/>
+          <a:p>
+            <a:pPr marL="0" marR="0" lvl="0" indent="0" algn="l" defTabSz="914400" rtl="0" eaLnBrk="1" fontAlgn="auto" latinLnBrk="0" hangingPunct="1">
+              <a:lnSpc>
+                <a:spcPct val="100000"/>
+              </a:lnSpc>
+              <a:spcBef>
+                <a:spcPts val="0"/>
+              </a:spcBef>
+              <a:spcAft>
+                <a:spcPts val="0"/>
+              </a:spcAft>
+              <a:buClrTx/>
+              <a:buSzTx/>
+              <a:buFontTx/>
+              <a:buNone/>
+              <a:tabLst/>
+              <a:defRPr/>
+            </a:pPr>
+            <a:r>
+              <a:rPr lang="ru-RU" sz="1800" dirty="0">
+                <a:effectLst/>
+                <a:latin typeface="Calibri" panose="020F0502020204030204" pitchFamily="34" charset="0"/>
+                <a:ea typeface="Calibri" panose="020F0502020204030204" pitchFamily="34" charset="0"/>
+                <a:cs typeface="Times New Roman" panose="02020603050405020304" pitchFamily="18" charset="0"/>
+              </a:rPr>
+              <a:t>В ходе работы над дипломным проектом мною была проанализирована предметная область, после чего были поставлены следующие цели: (читать с слайда).</a:t>
+            </a:r>
+          </a:p>
+          <a:p>
+            <a:endParaRPr lang="ru-RU" dirty="0"/>
+          </a:p>
+        </p:txBody>
+      </p:sp>
+      <p:sp>
+        <p:nvSpPr>
+          <p:cNvPr id="4" name="Номер слайда 3"/>
+          <p:cNvSpPr>
+            <a:spLocks noGrp="1"/>
+          </p:cNvSpPr>
+          <p:nvPr>
+            <p:ph type="sldNum" sz="quarter" idx="5"/>
+          </p:nvPr>
+        </p:nvSpPr>
+        <p:spPr/>
+        <p:txBody>
+          <a:bodyPr/>
+          <a:lstStyle/>
+          <a:p>
+            <a:fld id="{D39FC642-518E-40E7-A460-0A1461830D90}" type="slidenum">
+              <a:rPr lang="ru-RU" smtClean="0"/>
+              <a:t>2</a:t>
+            </a:fld>
+            <a:endParaRPr lang="ru-RU"/>
+          </a:p>
+        </p:txBody>
+      </p:sp>
+    </p:spTree>
+    <p:extLst>
+      <p:ext uri="{BB962C8B-B14F-4D97-AF65-F5344CB8AC3E}">
+        <p14:creationId xmlns:p14="http://schemas.microsoft.com/office/powerpoint/2010/main" val="1441035733"/>
+      </p:ext>
+    </p:extLst>
+  </p:cSld>
+  <p:clrMapOvr>
+    <a:masterClrMapping/>
+  </p:clrMapOvr>
+</p:notes>
+</file>
+
+<file path=ppt/notesSlides/notesSlide3.xml><?xml version="1.0" encoding="utf-8"?>
+<p:notes xmlns:a="http://schemas.openxmlformats.org/drawingml/2006/main" xmlns:r="http://schemas.openxmlformats.org/officeDocument/2006/relationships" xmlns:p="http://schemas.openxmlformats.org/presentationml/2006/main">
+  <p:cSld>
+    <p:spTree>
+      <p:nvGrpSpPr>
+        <p:cNvPr id="1" name=""/>
+        <p:cNvGrpSpPr/>
+        <p:nvPr/>
+      </p:nvGrpSpPr>
+      <p:grpSpPr>
+        <a:xfrm>
+          <a:off x="0" y="0"/>
+          <a:ext cx="0" cy="0"/>
+          <a:chOff x="0" y="0"/>
+          <a:chExt cx="0" cy="0"/>
+        </a:xfrm>
+      </p:grpSpPr>
+      <p:sp>
+        <p:nvSpPr>
+          <p:cNvPr id="2" name="Образ слайда 1"/>
+          <p:cNvSpPr>
+            <a:spLocks noGrp="1" noRot="1" noChangeAspect="1"/>
+          </p:cNvSpPr>
+          <p:nvPr>
+            <p:ph type="sldImg"/>
+          </p:nvPr>
+        </p:nvSpPr>
+        <p:spPr/>
+      </p:sp>
+      <p:sp>
+        <p:nvSpPr>
+          <p:cNvPr id="3" name="Заметки 2"/>
+          <p:cNvSpPr>
+            <a:spLocks noGrp="1"/>
+          </p:cNvSpPr>
+          <p:nvPr>
+            <p:ph type="body" idx="1"/>
+          </p:nvPr>
+        </p:nvSpPr>
+        <p:spPr/>
+        <p:txBody>
+          <a:bodyPr/>
+          <a:lstStyle/>
+          <a:p>
+            <a:r>
+              <a:rPr lang="ru-RU" sz="1800" dirty="0">
+                <a:effectLst/>
+                <a:latin typeface="Calibri" panose="020F0502020204030204" pitchFamily="34" charset="0"/>
+                <a:ea typeface="Calibri" panose="020F0502020204030204" pitchFamily="34" charset="0"/>
+                <a:cs typeface="Times New Roman" panose="02020603050405020304" pitchFamily="18" charset="0"/>
+              </a:rPr>
+              <a:t>Так как было решено программный продукт строить по принципам клиент-серверного приложения, не маловажную роль необходимо было уделить самой базе данных. Учитывая огромный объём входных данных – их упорядочивание первостепенная цель данного этапа. В результате проведенной нормализации была получена следующая реляционная схема базы данных(показываешь на второй плакат). </a:t>
+            </a:r>
+            <a:endParaRPr lang="ru-RU" dirty="0"/>
+          </a:p>
+        </p:txBody>
+      </p:sp>
+      <p:sp>
+        <p:nvSpPr>
+          <p:cNvPr id="4" name="Номер слайда 3"/>
+          <p:cNvSpPr>
+            <a:spLocks noGrp="1"/>
+          </p:cNvSpPr>
+          <p:nvPr>
+            <p:ph type="sldNum" sz="quarter" idx="5"/>
+          </p:nvPr>
+        </p:nvSpPr>
+        <p:spPr/>
+        <p:txBody>
+          <a:bodyPr/>
+          <a:lstStyle/>
+          <a:p>
+            <a:fld id="{D39FC642-518E-40E7-A460-0A1461830D90}" type="slidenum">
+              <a:rPr lang="ru-RU" smtClean="0"/>
+              <a:t>3</a:t>
+            </a:fld>
+            <a:endParaRPr lang="ru-RU"/>
+          </a:p>
+        </p:txBody>
+      </p:sp>
+    </p:spTree>
+    <p:extLst>
+      <p:ext uri="{BB962C8B-B14F-4D97-AF65-F5344CB8AC3E}">
+        <p14:creationId xmlns:p14="http://schemas.microsoft.com/office/powerpoint/2010/main" val="3709691268"/>
+      </p:ext>
+    </p:extLst>
+  </p:cSld>
+  <p:clrMapOvr>
+    <a:masterClrMapping/>
+  </p:clrMapOvr>
+</p:notes>
+</file>
+
+<file path=ppt/notesSlides/notesSlide4.xml><?xml version="1.0" encoding="utf-8"?>
+<p:notes xmlns:a="http://schemas.openxmlformats.org/drawingml/2006/main" xmlns:r="http://schemas.openxmlformats.org/officeDocument/2006/relationships" xmlns:p="http://schemas.openxmlformats.org/presentationml/2006/main">
+  <p:cSld>
+    <p:spTree>
+      <p:nvGrpSpPr>
+        <p:cNvPr id="1" name=""/>
+        <p:cNvGrpSpPr/>
+        <p:nvPr/>
+      </p:nvGrpSpPr>
+      <p:grpSpPr>
+        <a:xfrm>
+          <a:off x="0" y="0"/>
+          <a:ext cx="0" cy="0"/>
+          <a:chOff x="0" y="0"/>
+          <a:chExt cx="0" cy="0"/>
+        </a:xfrm>
+      </p:grpSpPr>
+      <p:sp>
+        <p:nvSpPr>
+          <p:cNvPr id="2" name="Образ слайда 1"/>
+          <p:cNvSpPr>
+            <a:spLocks noGrp="1" noRot="1" noChangeAspect="1"/>
+          </p:cNvSpPr>
+          <p:nvPr>
+            <p:ph type="sldImg"/>
+          </p:nvPr>
+        </p:nvSpPr>
+        <p:spPr/>
+      </p:sp>
+      <p:sp>
+        <p:nvSpPr>
+          <p:cNvPr id="3" name="Заметки 2"/>
+          <p:cNvSpPr>
+            <a:spLocks noGrp="1"/>
+          </p:cNvSpPr>
+          <p:nvPr>
+            <p:ph type="body" idx="1"/>
+          </p:nvPr>
+        </p:nvSpPr>
+        <p:spPr/>
+        <p:txBody>
+          <a:bodyPr/>
+          <a:lstStyle/>
+          <a:p>
+            <a:r>
+              <a:rPr lang="ru-RU" dirty="0"/>
+              <a:t>Таким образом выглядит модульная схема клиентской части приложения. Большая часть взаимодействий происходит непосредственно с подробной информацией об региональных проектах. Для работы приложения требуется частичный доступ к сети интернет, т.к. он используется лишь для закачки данных в базу данных, а вывод самой информации происходит уже напрямую из базы, без привлеченная к работе данных из </a:t>
+            </a:r>
+            <a:r>
+              <a:rPr lang="en-US" dirty="0" err="1"/>
+              <a:t>api</a:t>
+            </a:r>
+            <a:r>
+              <a:rPr lang="ru-RU" dirty="0"/>
+              <a:t>-</a:t>
+            </a:r>
+            <a:r>
+              <a:rPr lang="ru-RU" dirty="0" err="1"/>
+              <a:t>овтета</a:t>
+            </a:r>
+            <a:r>
+              <a:rPr lang="ru-RU" dirty="0"/>
+              <a:t>.</a:t>
+            </a:r>
+          </a:p>
+        </p:txBody>
+      </p:sp>
+      <p:sp>
+        <p:nvSpPr>
+          <p:cNvPr id="4" name="Номер слайда 3"/>
+          <p:cNvSpPr>
+            <a:spLocks noGrp="1"/>
+          </p:cNvSpPr>
+          <p:nvPr>
+            <p:ph type="sldNum" sz="quarter" idx="5"/>
+          </p:nvPr>
+        </p:nvSpPr>
+        <p:spPr/>
+        <p:txBody>
+          <a:bodyPr/>
+          <a:lstStyle/>
+          <a:p>
+            <a:fld id="{D39FC642-518E-40E7-A460-0A1461830D90}" type="slidenum">
+              <a:rPr lang="ru-RU" smtClean="0"/>
+              <a:t>4</a:t>
+            </a:fld>
+            <a:endParaRPr lang="ru-RU"/>
+          </a:p>
+        </p:txBody>
+      </p:sp>
+    </p:spTree>
+    <p:extLst>
+      <p:ext uri="{BB962C8B-B14F-4D97-AF65-F5344CB8AC3E}">
+        <p14:creationId xmlns:p14="http://schemas.microsoft.com/office/powerpoint/2010/main" val="4122026398"/>
+      </p:ext>
+    </p:extLst>
+  </p:cSld>
+  <p:clrMapOvr>
+    <a:masterClrMapping/>
+  </p:clrMapOvr>
+</p:notes>
+</file>
+
+<file path=ppt/notesSlides/notesSlide5.xml><?xml version="1.0" encoding="utf-8"?>
+<p:notes xmlns:a="http://schemas.openxmlformats.org/drawingml/2006/main" xmlns:r="http://schemas.openxmlformats.org/officeDocument/2006/relationships" xmlns:p="http://schemas.openxmlformats.org/presentationml/2006/main">
+  <p:cSld>
+    <p:spTree>
+      <p:nvGrpSpPr>
+        <p:cNvPr id="1" name=""/>
+        <p:cNvGrpSpPr/>
+        <p:nvPr/>
+      </p:nvGrpSpPr>
+      <p:grpSpPr>
+        <a:xfrm>
+          <a:off x="0" y="0"/>
+          <a:ext cx="0" cy="0"/>
+          <a:chOff x="0" y="0"/>
+          <a:chExt cx="0" cy="0"/>
+        </a:xfrm>
+      </p:grpSpPr>
+      <p:sp>
+        <p:nvSpPr>
+          <p:cNvPr id="2" name="Образ слайда 1"/>
+          <p:cNvSpPr>
+            <a:spLocks noGrp="1" noRot="1" noChangeAspect="1"/>
+          </p:cNvSpPr>
+          <p:nvPr>
+            <p:ph type="sldImg"/>
+          </p:nvPr>
+        </p:nvSpPr>
+        <p:spPr/>
+      </p:sp>
+      <p:sp>
+        <p:nvSpPr>
+          <p:cNvPr id="3" name="Заметки 2"/>
+          <p:cNvSpPr>
+            <a:spLocks noGrp="1"/>
+          </p:cNvSpPr>
+          <p:nvPr>
+            <p:ph type="body" idx="1"/>
+          </p:nvPr>
+        </p:nvSpPr>
+        <p:spPr/>
+        <p:txBody>
+          <a:bodyPr/>
+          <a:lstStyle/>
+          <a:p>
+            <a:r>
+              <a:rPr lang="ru-RU" dirty="0"/>
+              <a:t>Вот и сам </a:t>
+            </a:r>
+            <a:r>
+              <a:rPr lang="en-US" dirty="0" err="1"/>
+              <a:t>api</a:t>
+            </a:r>
+            <a:r>
+              <a:rPr lang="ru-RU" dirty="0"/>
+              <a:t>-ответ с запроса к порталу ЕБПС(</a:t>
+            </a:r>
+            <a:r>
+              <a:rPr lang="ru-RU" b="1" dirty="0"/>
+              <a:t>Единый портал бюджетной системы Россий- </a:t>
+            </a:r>
+            <a:r>
+              <a:rPr lang="ru-RU" b="1" dirty="0" err="1"/>
+              <a:t>ской</a:t>
+            </a:r>
+            <a:r>
+              <a:rPr lang="ru-RU" b="1" dirty="0"/>
+              <a:t> Федерации</a:t>
+            </a:r>
+            <a:r>
+              <a:rPr lang="ru-RU" dirty="0"/>
+              <a:t>). Он представляет собой многоуровневый и упорядоченный набор данных. Доступ ко многим разделам находится на более нижних уровнях, чем представлено на рисунке.</a:t>
+            </a:r>
+          </a:p>
+        </p:txBody>
+      </p:sp>
+      <p:sp>
+        <p:nvSpPr>
+          <p:cNvPr id="4" name="Номер слайда 3"/>
+          <p:cNvSpPr>
+            <a:spLocks noGrp="1"/>
+          </p:cNvSpPr>
+          <p:nvPr>
+            <p:ph type="sldNum" sz="quarter" idx="5"/>
+          </p:nvPr>
+        </p:nvSpPr>
+        <p:spPr/>
+        <p:txBody>
+          <a:bodyPr/>
+          <a:lstStyle/>
+          <a:p>
+            <a:fld id="{D39FC642-518E-40E7-A460-0A1461830D90}" type="slidenum">
+              <a:rPr lang="ru-RU" smtClean="0"/>
+              <a:t>5</a:t>
+            </a:fld>
+            <a:endParaRPr lang="ru-RU"/>
+          </a:p>
+        </p:txBody>
+      </p:sp>
+    </p:spTree>
+    <p:extLst>
+      <p:ext uri="{BB962C8B-B14F-4D97-AF65-F5344CB8AC3E}">
+        <p14:creationId xmlns:p14="http://schemas.microsoft.com/office/powerpoint/2010/main" val="3031656410"/>
+      </p:ext>
+    </p:extLst>
+  </p:cSld>
+  <p:clrMapOvr>
+    <a:masterClrMapping/>
+  </p:clrMapOvr>
+</p:notes>
+</file>
+
+<file path=ppt/notesSlides/notesSlide6.xml><?xml version="1.0" encoding="utf-8"?>
+<p:notes xmlns:a="http://schemas.openxmlformats.org/drawingml/2006/main" xmlns:r="http://schemas.openxmlformats.org/officeDocument/2006/relationships" xmlns:p="http://schemas.openxmlformats.org/presentationml/2006/main">
+  <p:cSld>
+    <p:spTree>
+      <p:nvGrpSpPr>
+        <p:cNvPr id="1" name=""/>
+        <p:cNvGrpSpPr/>
+        <p:nvPr/>
+      </p:nvGrpSpPr>
+      <p:grpSpPr>
+        <a:xfrm>
+          <a:off x="0" y="0"/>
+          <a:ext cx="0" cy="0"/>
+          <a:chOff x="0" y="0"/>
+          <a:chExt cx="0" cy="0"/>
+        </a:xfrm>
+      </p:grpSpPr>
+      <p:sp>
+        <p:nvSpPr>
+          <p:cNvPr id="2" name="Образ слайда 1"/>
+          <p:cNvSpPr>
+            <a:spLocks noGrp="1" noRot="1" noChangeAspect="1"/>
+          </p:cNvSpPr>
+          <p:nvPr>
+            <p:ph type="sldImg"/>
+          </p:nvPr>
+        </p:nvSpPr>
+        <p:spPr/>
+      </p:sp>
+      <p:sp>
+        <p:nvSpPr>
+          <p:cNvPr id="3" name="Заметки 2"/>
+          <p:cNvSpPr>
+            <a:spLocks noGrp="1"/>
+          </p:cNvSpPr>
+          <p:nvPr>
+            <p:ph type="body" idx="1"/>
+          </p:nvPr>
+        </p:nvSpPr>
+        <p:spPr/>
+        <p:txBody>
+          <a:bodyPr/>
+          <a:lstStyle/>
+          <a:p>
+            <a:pPr marL="0" marR="0" lvl="0" indent="0" algn="l" defTabSz="914400" rtl="0" eaLnBrk="1" fontAlgn="auto" latinLnBrk="0" hangingPunct="1">
+              <a:lnSpc>
+                <a:spcPct val="100000"/>
+              </a:lnSpc>
+              <a:spcBef>
+                <a:spcPts val="0"/>
+              </a:spcBef>
+              <a:spcAft>
+                <a:spcPts val="0"/>
+              </a:spcAft>
+              <a:buClrTx/>
+              <a:buSzTx/>
+              <a:buFontTx/>
+              <a:buNone/>
+              <a:tabLst/>
+              <a:defRPr/>
+            </a:pPr>
+            <a:r>
+              <a:rPr lang="ru-RU" sz="1800" dirty="0">
+                <a:effectLst/>
+                <a:latin typeface="Calibri" panose="020F0502020204030204" pitchFamily="34" charset="0"/>
+                <a:ea typeface="Calibri" panose="020F0502020204030204" pitchFamily="34" charset="0"/>
+                <a:cs typeface="Times New Roman" panose="02020603050405020304" pitchFamily="18" charset="0"/>
+              </a:rPr>
+              <a:t>Главной задачей приложения является показ информации об региональных проектах, поэтому на последнем плакате я показал работу модуля «Загрузки» (показываешь на второй плакат). Непосредственно саму работу модуля «Загрузки» и всего приложения я сейчас продемонстрирую. (Схема загрузки данных разнится)</a:t>
+            </a:r>
+          </a:p>
+          <a:p>
+            <a:endParaRPr lang="ru-RU" dirty="0"/>
+          </a:p>
+        </p:txBody>
+      </p:sp>
+      <p:sp>
+        <p:nvSpPr>
+          <p:cNvPr id="4" name="Номер слайда 3"/>
+          <p:cNvSpPr>
+            <a:spLocks noGrp="1"/>
+          </p:cNvSpPr>
+          <p:nvPr>
+            <p:ph type="sldNum" sz="quarter" idx="5"/>
+          </p:nvPr>
+        </p:nvSpPr>
+        <p:spPr/>
+        <p:txBody>
+          <a:bodyPr/>
+          <a:lstStyle/>
+          <a:p>
+            <a:fld id="{D39FC642-518E-40E7-A460-0A1461830D90}" type="slidenum">
+              <a:rPr lang="ru-RU" smtClean="0"/>
+              <a:t>6</a:t>
+            </a:fld>
+            <a:endParaRPr lang="ru-RU"/>
+          </a:p>
+        </p:txBody>
+      </p:sp>
+    </p:spTree>
+    <p:extLst>
+      <p:ext uri="{BB962C8B-B14F-4D97-AF65-F5344CB8AC3E}">
+        <p14:creationId xmlns:p14="http://schemas.microsoft.com/office/powerpoint/2010/main" val="2224232324"/>
+      </p:ext>
+    </p:extLst>
+  </p:cSld>
+  <p:clrMapOvr>
+    <a:masterClrMapping/>
+  </p:clrMapOvr>
+</p:notes>
+</file>
+
+<file path=ppt/notesSlides/notesSlide7.xml><?xml version="1.0" encoding="utf-8"?>
+<p:notes xmlns:a="http://schemas.openxmlformats.org/drawingml/2006/main" xmlns:r="http://schemas.openxmlformats.org/officeDocument/2006/relationships" xmlns:p="http://schemas.openxmlformats.org/presentationml/2006/main">
+  <p:cSld>
+    <p:spTree>
+      <p:nvGrpSpPr>
+        <p:cNvPr id="1" name=""/>
+        <p:cNvGrpSpPr/>
+        <p:nvPr/>
+      </p:nvGrpSpPr>
+      <p:grpSpPr>
+        <a:xfrm>
+          <a:off x="0" y="0"/>
+          <a:ext cx="0" cy="0"/>
+          <a:chOff x="0" y="0"/>
+          <a:chExt cx="0" cy="0"/>
+        </a:xfrm>
+      </p:grpSpPr>
+      <p:sp>
+        <p:nvSpPr>
+          <p:cNvPr id="2" name="Образ слайда 1"/>
+          <p:cNvSpPr>
+            <a:spLocks noGrp="1" noRot="1" noChangeAspect="1"/>
+          </p:cNvSpPr>
+          <p:nvPr>
+            <p:ph type="sldImg"/>
+          </p:nvPr>
+        </p:nvSpPr>
+        <p:spPr/>
+      </p:sp>
+      <p:sp>
+        <p:nvSpPr>
+          <p:cNvPr id="3" name="Заметки 2"/>
+          <p:cNvSpPr>
+            <a:spLocks noGrp="1"/>
+          </p:cNvSpPr>
+          <p:nvPr>
+            <p:ph type="body" idx="1"/>
+          </p:nvPr>
+        </p:nvSpPr>
+        <p:spPr/>
+        <p:txBody>
+          <a:bodyPr/>
+          <a:lstStyle/>
+          <a:p>
+            <a:pPr>
+              <a:lnSpc>
+                <a:spcPct val="107000"/>
+              </a:lnSpc>
+              <a:spcAft>
+                <a:spcPts val="800"/>
+              </a:spcAft>
+            </a:pPr>
+            <a:r>
+              <a:rPr lang="ru-RU" sz="1800" dirty="0">
+                <a:effectLst/>
+                <a:latin typeface="Calibri" panose="020F0502020204030204" pitchFamily="34" charset="0"/>
+                <a:ea typeface="Calibri" panose="020F0502020204030204" pitchFamily="34" charset="0"/>
+                <a:cs typeface="Times New Roman" panose="02020603050405020304" pitchFamily="18" charset="0"/>
+              </a:rPr>
+              <a:t>По итогу работы было разработано приложение, </a:t>
+            </a:r>
+            <a:r>
+              <a:rPr lang="ru-RU" sz="1800">
+                <a:effectLst/>
+                <a:latin typeface="Calibri" panose="020F0502020204030204" pitchFamily="34" charset="0"/>
+                <a:ea typeface="Calibri" panose="020F0502020204030204" pitchFamily="34" charset="0"/>
+                <a:cs typeface="Times New Roman" panose="02020603050405020304" pitchFamily="18" charset="0"/>
+              </a:rPr>
+              <a:t>позволяющее пользователю </a:t>
+            </a:r>
+            <a:r>
+              <a:rPr lang="ru-RU" sz="1800" dirty="0">
+                <a:effectLst/>
+                <a:latin typeface="Calibri" panose="020F0502020204030204" pitchFamily="34" charset="0"/>
+                <a:ea typeface="Calibri" panose="020F0502020204030204" pitchFamily="34" charset="0"/>
+                <a:cs typeface="Times New Roman" panose="02020603050405020304" pitchFamily="18" charset="0"/>
+              </a:rPr>
+              <a:t>просматривать и отслеживать сводку региональных проектов их цели и задачи.</a:t>
+            </a:r>
+          </a:p>
+          <a:p>
+            <a:pPr>
+              <a:lnSpc>
+                <a:spcPct val="107000"/>
+              </a:lnSpc>
+              <a:spcAft>
+                <a:spcPts val="800"/>
+              </a:spcAft>
+            </a:pPr>
+            <a:r>
+              <a:rPr lang="ru-RU" sz="1800" dirty="0">
+                <a:effectLst/>
+                <a:latin typeface="Calibri" panose="020F0502020204030204" pitchFamily="34" charset="0"/>
+                <a:ea typeface="Calibri" panose="020F0502020204030204" pitchFamily="34" charset="0"/>
+                <a:cs typeface="Times New Roman" panose="02020603050405020304" pitchFamily="18" charset="0"/>
+              </a:rPr>
+              <a:t>Главным достоинством можно выделить простоту в использовании приложения. Все действия выполняются на интуитивно понятном уровне.</a:t>
+            </a:r>
+          </a:p>
+          <a:p>
+            <a:endParaRPr lang="ru-RU" dirty="0"/>
+          </a:p>
+        </p:txBody>
+      </p:sp>
+      <p:sp>
+        <p:nvSpPr>
+          <p:cNvPr id="4" name="Номер слайда 3"/>
+          <p:cNvSpPr>
+            <a:spLocks noGrp="1"/>
+          </p:cNvSpPr>
+          <p:nvPr>
+            <p:ph type="sldNum" sz="quarter" idx="5"/>
+          </p:nvPr>
+        </p:nvSpPr>
+        <p:spPr/>
+        <p:txBody>
+          <a:bodyPr/>
+          <a:lstStyle/>
+          <a:p>
+            <a:fld id="{D39FC642-518E-40E7-A460-0A1461830D90}" type="slidenum">
+              <a:rPr lang="ru-RU" smtClean="0"/>
+              <a:t>7</a:t>
+            </a:fld>
+            <a:endParaRPr lang="ru-RU"/>
+          </a:p>
+        </p:txBody>
+      </p:sp>
+    </p:spTree>
+    <p:extLst>
+      <p:ext uri="{BB962C8B-B14F-4D97-AF65-F5344CB8AC3E}">
+        <p14:creationId xmlns:p14="http://schemas.microsoft.com/office/powerpoint/2010/main" val="1694855064"/>
+      </p:ext>
+    </p:extLst>
+  </p:cSld>
+  <p:clrMapOvr>
+    <a:masterClrMapping/>
+  </p:clrMapOvr>
+</p:notes>
+</file>
+
+<file path=ppt/notesSlides/notesSlide8.xml><?xml version="1.0" encoding="utf-8"?>
+<p:notes xmlns:a="http://schemas.openxmlformats.org/drawingml/2006/main" xmlns:r="http://schemas.openxmlformats.org/officeDocument/2006/relationships" xmlns:p="http://schemas.openxmlformats.org/presentationml/2006/main">
+  <p:cSld>
+    <p:spTree>
+      <p:nvGrpSpPr>
+        <p:cNvPr id="1" name=""/>
+        <p:cNvGrpSpPr/>
+        <p:nvPr/>
+      </p:nvGrpSpPr>
+      <p:grpSpPr>
+        <a:xfrm>
+          <a:off x="0" y="0"/>
+          <a:ext cx="0" cy="0"/>
+          <a:chOff x="0" y="0"/>
+          <a:chExt cx="0" cy="0"/>
+        </a:xfrm>
+      </p:grpSpPr>
+      <p:sp>
+        <p:nvSpPr>
+          <p:cNvPr id="2" name="Образ слайда 1"/>
+          <p:cNvSpPr>
+            <a:spLocks noGrp="1" noRot="1" noChangeAspect="1"/>
+          </p:cNvSpPr>
+          <p:nvPr>
+            <p:ph type="sldImg"/>
+          </p:nvPr>
+        </p:nvSpPr>
+        <p:spPr/>
+      </p:sp>
+      <p:sp>
+        <p:nvSpPr>
+          <p:cNvPr id="3" name="Заметки 2"/>
+          <p:cNvSpPr>
+            <a:spLocks noGrp="1"/>
+          </p:cNvSpPr>
+          <p:nvPr>
+            <p:ph type="body" idx="1"/>
+          </p:nvPr>
+        </p:nvSpPr>
+        <p:spPr/>
+        <p:txBody>
+          <a:bodyPr/>
+          <a:lstStyle/>
+          <a:p>
+            <a:pPr marL="0" marR="0" lvl="0" indent="0" algn="l" defTabSz="914400" rtl="0" eaLnBrk="1" fontAlgn="auto" latinLnBrk="0" hangingPunct="1">
+              <a:lnSpc>
+                <a:spcPct val="100000"/>
+              </a:lnSpc>
+              <a:spcBef>
+                <a:spcPts val="0"/>
+              </a:spcBef>
+              <a:spcAft>
+                <a:spcPts val="0"/>
+              </a:spcAft>
+              <a:buClrTx/>
+              <a:buSzTx/>
+              <a:buFontTx/>
+              <a:buNone/>
+              <a:tabLst/>
+              <a:defRPr/>
+            </a:pPr>
+            <a:r>
+              <a:rPr lang="ru-RU" sz="1200" dirty="0">
+                <a:effectLst/>
+                <a:latin typeface="Calibri" panose="020F0502020204030204" pitchFamily="34" charset="0"/>
+                <a:ea typeface="Calibri" panose="020F0502020204030204" pitchFamily="34" charset="0"/>
+                <a:cs typeface="Times New Roman" panose="02020603050405020304" pitchFamily="18" charset="0"/>
+              </a:rPr>
+              <a:t>Также при работе над проектом мною была рассчитана конечная стоимость продукта, которая оказалась значительно ниже аналогов.</a:t>
+            </a:r>
+          </a:p>
+          <a:p>
+            <a:endParaRPr lang="ru-RU" dirty="0"/>
+          </a:p>
+        </p:txBody>
+      </p:sp>
+      <p:sp>
+        <p:nvSpPr>
+          <p:cNvPr id="4" name="Номер слайда 3"/>
+          <p:cNvSpPr>
+            <a:spLocks noGrp="1"/>
+          </p:cNvSpPr>
+          <p:nvPr>
+            <p:ph type="sldNum" sz="quarter" idx="5"/>
+          </p:nvPr>
+        </p:nvSpPr>
+        <p:spPr/>
+        <p:txBody>
+          <a:bodyPr/>
+          <a:lstStyle/>
+          <a:p>
+            <a:fld id="{D39FC642-518E-40E7-A460-0A1461830D90}" type="slidenum">
+              <a:rPr lang="ru-RU" smtClean="0"/>
+              <a:t>8</a:t>
+            </a:fld>
+            <a:endParaRPr lang="ru-RU"/>
+          </a:p>
+        </p:txBody>
+      </p:sp>
+    </p:spTree>
+    <p:extLst>
+      <p:ext uri="{BB962C8B-B14F-4D97-AF65-F5344CB8AC3E}">
+        <p14:creationId xmlns:p14="http://schemas.microsoft.com/office/powerpoint/2010/main" val="851888214"/>
+      </p:ext>
+    </p:extLst>
+  </p:cSld>
+  <p:clrMapOvr>
+    <a:masterClrMapping/>
+  </p:clrMapOvr>
+</p:notes>
 </file>
 
 <file path=ppt/slideLayouts/slideLayout1.xml><?xml version="1.0" encoding="utf-8"?>
@@ -841,7 +2135,7 @@
           <a:p>
             <a:fld id="{6033F8EE-0843-4213-8C8B-EF9333213A6C}" type="datetimeFigureOut">
               <a:rPr lang="ru-RU" smtClean="0"/>
-              <a:t>13.06.2023</a:t>
+              <a:t>23.06.2023</a:t>
             </a:fld>
             <a:endParaRPr lang="ru-RU"/>
           </a:p>
@@ -1092,7 +2386,7 @@
           <a:p>
             <a:fld id="{6033F8EE-0843-4213-8C8B-EF9333213A6C}" type="datetimeFigureOut">
               <a:rPr lang="ru-RU" smtClean="0"/>
-              <a:t>13.06.2023</a:t>
+              <a:t>23.06.2023</a:t>
             </a:fld>
             <a:endParaRPr lang="ru-RU"/>
           </a:p>
@@ -1406,7 +2700,7 @@
           <a:p>
             <a:fld id="{6033F8EE-0843-4213-8C8B-EF9333213A6C}" type="datetimeFigureOut">
               <a:rPr lang="ru-RU" smtClean="0"/>
-              <a:t>13.06.2023</a:t>
+              <a:t>23.06.2023</a:t>
             </a:fld>
             <a:endParaRPr lang="ru-RU"/>
           </a:p>
@@ -1747,7 +3041,7 @@
           <a:p>
             <a:fld id="{6033F8EE-0843-4213-8C8B-EF9333213A6C}" type="datetimeFigureOut">
               <a:rPr lang="ru-RU" smtClean="0"/>
-              <a:t>13.06.2023</a:t>
+              <a:t>23.06.2023</a:t>
             </a:fld>
             <a:endParaRPr lang="ru-RU"/>
           </a:p>
@@ -2061,7 +3355,7 @@
           <a:p>
             <a:fld id="{6033F8EE-0843-4213-8C8B-EF9333213A6C}" type="datetimeFigureOut">
               <a:rPr lang="ru-RU" smtClean="0"/>
-              <a:t>13.06.2023</a:t>
+              <a:t>23.06.2023</a:t>
             </a:fld>
             <a:endParaRPr lang="ru-RU"/>
           </a:p>
@@ -2454,7 +3748,7 @@
           <a:p>
             <a:fld id="{6033F8EE-0843-4213-8C8B-EF9333213A6C}" type="datetimeFigureOut">
               <a:rPr lang="ru-RU" smtClean="0"/>
-              <a:t>13.06.2023</a:t>
+              <a:t>23.06.2023</a:t>
             </a:fld>
             <a:endParaRPr lang="ru-RU"/>
           </a:p>
@@ -2624,7 +3918,7 @@
           <a:p>
             <a:fld id="{6033F8EE-0843-4213-8C8B-EF9333213A6C}" type="datetimeFigureOut">
               <a:rPr lang="ru-RU" smtClean="0"/>
-              <a:t>13.06.2023</a:t>
+              <a:t>23.06.2023</a:t>
             </a:fld>
             <a:endParaRPr lang="ru-RU"/>
           </a:p>
@@ -2804,7 +4098,7 @@
           <a:p>
             <a:fld id="{6033F8EE-0843-4213-8C8B-EF9333213A6C}" type="datetimeFigureOut">
               <a:rPr lang="ru-RU" smtClean="0"/>
-              <a:t>13.06.2023</a:t>
+              <a:t>23.06.2023</a:t>
             </a:fld>
             <a:endParaRPr lang="ru-RU"/>
           </a:p>
@@ -2980,7 +4274,7 @@
           <a:p>
             <a:fld id="{6033F8EE-0843-4213-8C8B-EF9333213A6C}" type="datetimeFigureOut">
               <a:rPr lang="ru-RU" smtClean="0"/>
-              <a:t>13.06.2023</a:t>
+              <a:t>23.06.2023</a:t>
             </a:fld>
             <a:endParaRPr lang="ru-RU"/>
           </a:p>
@@ -3227,7 +4521,7 @@
           <a:p>
             <a:fld id="{6033F8EE-0843-4213-8C8B-EF9333213A6C}" type="datetimeFigureOut">
               <a:rPr lang="ru-RU" smtClean="0"/>
-              <a:t>13.06.2023</a:t>
+              <a:t>23.06.2023</a:t>
             </a:fld>
             <a:endParaRPr lang="ru-RU"/>
           </a:p>
@@ -3459,7 +4753,7 @@
           <a:p>
             <a:fld id="{6033F8EE-0843-4213-8C8B-EF9333213A6C}" type="datetimeFigureOut">
               <a:rPr lang="ru-RU" smtClean="0"/>
-              <a:t>13.06.2023</a:t>
+              <a:t>23.06.2023</a:t>
             </a:fld>
             <a:endParaRPr lang="ru-RU"/>
           </a:p>
@@ -3833,7 +5127,7 @@
           <a:p>
             <a:fld id="{6033F8EE-0843-4213-8C8B-EF9333213A6C}" type="datetimeFigureOut">
               <a:rPr lang="ru-RU" smtClean="0"/>
-              <a:t>13.06.2023</a:t>
+              <a:t>23.06.2023</a:t>
             </a:fld>
             <a:endParaRPr lang="ru-RU"/>
           </a:p>
@@ -3956,7 +5250,7 @@
           <a:p>
             <a:fld id="{6033F8EE-0843-4213-8C8B-EF9333213A6C}" type="datetimeFigureOut">
               <a:rPr lang="ru-RU" smtClean="0"/>
-              <a:t>13.06.2023</a:t>
+              <a:t>23.06.2023</a:t>
             </a:fld>
             <a:endParaRPr lang="ru-RU"/>
           </a:p>
@@ -4051,7 +5345,7 @@
           <a:p>
             <a:fld id="{6033F8EE-0843-4213-8C8B-EF9333213A6C}" type="datetimeFigureOut">
               <a:rPr lang="ru-RU" smtClean="0"/>
-              <a:t>13.06.2023</a:t>
+              <a:t>23.06.2023</a:t>
             </a:fld>
             <a:endParaRPr lang="ru-RU"/>
           </a:p>
@@ -4306,7 +5600,7 @@
           <a:p>
             <a:fld id="{6033F8EE-0843-4213-8C8B-EF9333213A6C}" type="datetimeFigureOut">
               <a:rPr lang="ru-RU" smtClean="0"/>
-              <a:t>13.06.2023</a:t>
+              <a:t>23.06.2023</a:t>
             </a:fld>
             <a:endParaRPr lang="ru-RU"/>
           </a:p>
@@ -4569,7 +5863,7 @@
           <a:p>
             <a:fld id="{6033F8EE-0843-4213-8C8B-EF9333213A6C}" type="datetimeFigureOut">
               <a:rPr lang="ru-RU" smtClean="0"/>
-              <a:t>13.06.2023</a:t>
+              <a:t>23.06.2023</a:t>
             </a:fld>
             <a:endParaRPr lang="ru-RU"/>
           </a:p>
@@ -5312,7 +6606,7 @@
           <a:p>
             <a:fld id="{6033F8EE-0843-4213-8C8B-EF9333213A6C}" type="datetimeFigureOut">
               <a:rPr lang="ru-RU" smtClean="0"/>
-              <a:t>13.06.2023</a:t>
+              <a:t>23.06.2023</a:t>
             </a:fld>
             <a:endParaRPr lang="ru-RU"/>
           </a:p>
@@ -5854,8 +7148,8 @@
         </p:nvSpPr>
         <p:spPr>
           <a:xfrm>
-            <a:off x="259207" y="1254034"/>
-            <a:ext cx="9040921" cy="3436882"/>
+            <a:off x="1132114" y="2550059"/>
+            <a:ext cx="8168014" cy="1962229"/>
           </a:xfrm>
         </p:spPr>
         <p:txBody>
@@ -5863,7 +7157,7 @@
           <a:lstStyle/>
           <a:p>
             <a:r>
-              <a:rPr lang="ru-RU" dirty="0">
+              <a:rPr lang="ru-RU" sz="3800" dirty="0">
                 <a:solidFill>
                   <a:schemeClr val="tx1"/>
                 </a:solidFill>
@@ -5924,6 +7218,76 @@
                 <a:cs typeface="Times New Roman" panose="02020603050405020304" pitchFamily="18" charset="0"/>
               </a:rPr>
               <a:t>Нужин Андрей</a:t>
+            </a:r>
+          </a:p>
+        </p:txBody>
+      </p:sp>
+      <p:sp>
+        <p:nvSpPr>
+          <p:cNvPr id="5" name="TextBox 4">
+            <a:extLst>
+              <a:ext uri="{FF2B5EF4-FFF2-40B4-BE49-F238E27FC236}">
+                <a16:creationId xmlns:a16="http://schemas.microsoft.com/office/drawing/2014/main" id="{FA129216-ABFD-4C6E-BEB9-1ADF172CEDD7}"/>
+              </a:ext>
+            </a:extLst>
+          </p:cNvPr>
+          <p:cNvSpPr txBox="1"/>
+          <p:nvPr/>
+        </p:nvSpPr>
+        <p:spPr>
+          <a:xfrm>
+            <a:off x="2470958" y="586330"/>
+            <a:ext cx="6106884" cy="1785104"/>
+          </a:xfrm>
+          <a:prstGeom prst="rect">
+            <a:avLst/>
+          </a:prstGeom>
+          <a:noFill/>
+        </p:spPr>
+        <p:txBody>
+          <a:bodyPr wrap="square">
+            <a:spAutoFit/>
+          </a:bodyPr>
+          <a:lstStyle/>
+          <a:p>
+            <a:pPr algn="ctr"/>
+            <a:r>
+              <a:rPr lang="ru-RU" b="1" dirty="0">
+                <a:latin typeface="+mj-lt"/>
+              </a:rPr>
+              <a:t>ДЕПАРТАМЕНТ ОБРАЗОВАНИЯ ЯРОСЛАВСКОЙ ОБЛАСТИ</a:t>
+            </a:r>
+            <a:endParaRPr lang="ru-RU" dirty="0">
+              <a:latin typeface="+mj-lt"/>
+            </a:endParaRPr>
+          </a:p>
+          <a:p>
+            <a:pPr algn="ctr"/>
+            <a:r>
+              <a:rPr lang="ru-RU" dirty="0">
+                <a:latin typeface="+mj-lt"/>
+              </a:rPr>
+              <a:t>государственное профессиональное образовательное учреждение </a:t>
+            </a:r>
+            <a:br>
+              <a:rPr lang="ru-RU" dirty="0">
+                <a:latin typeface="+mj-lt"/>
+              </a:rPr>
+            </a:br>
+            <a:r>
+              <a:rPr lang="ru-RU" dirty="0">
+                <a:latin typeface="+mj-lt"/>
+              </a:rPr>
+              <a:t>Ярославской области</a:t>
+            </a:r>
+          </a:p>
+          <a:p>
+            <a:pPr algn="ctr"/>
+            <a:r>
+              <a:rPr lang="ru-RU" sz="2000" b="1" dirty="0">
+                <a:latin typeface="+mj-lt"/>
+              </a:rPr>
+              <a:t>Рыбинский полиграфический колледж</a:t>
             </a:r>
           </a:p>
         </p:txBody>
@@ -6153,7 +7517,7 @@
           <p:nvPr/>
         </p:nvPicPr>
         <p:blipFill>
-          <a:blip r:embed="rId2"/>
+          <a:blip r:embed="rId3"/>
           <a:stretch>
             <a:fillRect/>
           </a:stretch>
@@ -6250,7 +7614,7 @@
           <p:nvPr/>
         </p:nvPicPr>
         <p:blipFill>
-          <a:blip r:embed="rId2">
+          <a:blip r:embed="rId3">
             <a:extLst>
               <a:ext uri="{28A0092B-C50C-407E-A947-70E740481C1C}">
                 <a14:useLocalDpi xmlns:a14="http://schemas.microsoft.com/office/drawing/2010/main" val="0"/>
@@ -6374,7 +7738,7 @@
           <p:nvPr/>
         </p:nvPicPr>
         <p:blipFill>
-          <a:blip r:embed="rId2"/>
+          <a:blip r:embed="rId3"/>
           <a:stretch>
             <a:fillRect/>
           </a:stretch>
@@ -6534,7 +7898,7 @@
           <p:nvPr/>
         </p:nvPicPr>
         <p:blipFill>
-          <a:blip r:embed="rId2" cstate="print">
+          <a:blip r:embed="rId3" cstate="print">
             <a:extLst>
               <a:ext uri="{28A0092B-C50C-407E-A947-70E740481C1C}">
                 <a14:useLocalDpi xmlns:a14="http://schemas.microsoft.com/office/drawing/2010/main" val="0"/>
@@ -6987,4 +8351,299 @@
     </a:ext>
   </a:extLst>
 </a:theme>
+</file>
+
+<file path=ppt/theme/theme2.xml><?xml version="1.0" encoding="utf-8"?>
+<a:theme xmlns:a="http://schemas.openxmlformats.org/drawingml/2006/main" name="Тема Office">
+  <a:themeElements>
+    <a:clrScheme name="Стандартная">
+      <a:dk1>
+        <a:sysClr val="windowText" lastClr="000000"/>
+      </a:dk1>
+      <a:lt1>
+        <a:sysClr val="window" lastClr="FFFFFF"/>
+      </a:lt1>
+      <a:dk2>
+        <a:srgbClr val="44546A"/>
+      </a:dk2>
+      <a:lt2>
+        <a:srgbClr val="E7E6E6"/>
+      </a:lt2>
+      <a:accent1>
+        <a:srgbClr val="4472C4"/>
+      </a:accent1>
+      <a:accent2>
+        <a:srgbClr val="ED7D31"/>
+      </a:accent2>
+      <a:accent3>
+        <a:srgbClr val="A5A5A5"/>
+      </a:accent3>
+      <a:accent4>
+        <a:srgbClr val="FFC000"/>
+      </a:accent4>
+      <a:accent5>
+        <a:srgbClr val="5B9BD5"/>
+      </a:accent5>
+      <a:accent6>
+        <a:srgbClr val="70AD47"/>
+      </a:accent6>
+      <a:hlink>
+        <a:srgbClr val="0563C1"/>
+      </a:hlink>
+      <a:folHlink>
+        <a:srgbClr val="954F72"/>
+      </a:folHlink>
+    </a:clrScheme>
+    <a:fontScheme name="Стандартная">
+      <a:majorFont>
+        <a:latin typeface="Calibri Light" panose="020F0302020204030204"/>
+        <a:ea typeface=""/>
+        <a:cs typeface=""/>
+        <a:font script="Jpan" typeface="游ゴシック Light"/>
+        <a:font script="Hang" typeface="맑은 고딕"/>
+        <a:font script="Hans" typeface="等线 Light"/>
+        <a:font script="Hant" typeface="新細明體"/>
+        <a:font script="Arab" typeface="Times New Roman"/>
+        <a:font script="Hebr" typeface="Times New Roman"/>
+        <a:font script="Thai" typeface="Angsana New"/>
+        <a:font script="Ethi" typeface="Nyala"/>
+        <a:font script="Beng" typeface="Vrinda"/>
+        <a:font script="Gujr" typeface="Shruti"/>
+        <a:font script="Khmr" typeface="MoolBoran"/>
+        <a:font script="Knda" typeface="Tunga"/>
+        <a:font script="Guru" typeface="Raavi"/>
+        <a:font script="Cans" typeface="Euphemia"/>
+        <a:font script="Cher" typeface="Plantagenet Cherokee"/>
+        <a:font script="Yiii" typeface="Microsoft Yi Baiti"/>
+        <a:font script="Tibt" typeface="Microsoft Himalaya"/>
+        <a:font script="Thaa" typeface="MV Boli"/>
+        <a:font script="Deva" typeface="Mangal"/>
+        <a:font script="Telu" typeface="Gautami"/>
+        <a:font script="Taml" typeface="Latha"/>
+        <a:font script="Syrc" typeface="Estrangelo Edessa"/>
+        <a:font script="Orya" typeface="Kalinga"/>
+        <a:font script="Mlym" typeface="Kartika"/>
+        <a:font script="Laoo" typeface="DokChampa"/>
+        <a:font script="Sinh" typeface="Iskoola Pota"/>
+        <a:font script="Mong" typeface="Mongolian Baiti"/>
+        <a:font script="Viet" typeface="Times New Roman"/>
+        <a:font script="Uigh" typeface="Microsoft Uighur"/>
+        <a:font script="Geor" typeface="Sylfaen"/>
+        <a:font script="Armn" typeface="Arial"/>
+        <a:font script="Bugi" typeface="Leelawadee UI"/>
+        <a:font script="Bopo" typeface="Microsoft JhengHei"/>
+        <a:font script="Java" typeface="Javanese Text"/>
+        <a:font script="Lisu" typeface="Segoe UI"/>
+        <a:font script="Mymr" typeface="Myanmar Text"/>
+        <a:font script="Nkoo" typeface="Ebrima"/>
+        <a:font script="Olck" typeface="Nirmala UI"/>
+        <a:font script="Osma" typeface="Ebrima"/>
+        <a:font script="Phag" typeface="Phagspa"/>
+        <a:font script="Syrn" typeface="Estrangelo Edessa"/>
+        <a:font script="Syrj" typeface="Estrangelo Edessa"/>
+        <a:font script="Syre" typeface="Estrangelo Edessa"/>
+        <a:font script="Sora" typeface="Nirmala UI"/>
+        <a:font script="Tale" typeface="Microsoft Tai Le"/>
+        <a:font script="Talu" typeface="Microsoft New Tai Lue"/>
+        <a:font script="Tfng" typeface="Ebrima"/>
+      </a:majorFont>
+      <a:minorFont>
+        <a:latin typeface="Calibri" panose="020F0502020204030204"/>
+        <a:ea typeface=""/>
+        <a:cs typeface=""/>
+        <a:font script="Jpan" typeface="游ゴシック"/>
+        <a:font script="Hang" typeface="맑은 고딕"/>
+        <a:font script="Hans" typeface="等线"/>
+        <a:font script="Hant" typeface="新細明體"/>
+        <a:font script="Arab" typeface="Arial"/>
+        <a:font script="Hebr" typeface="Arial"/>
+        <a:font script="Thai" typeface="Cordia New"/>
+        <a:font script="Ethi" typeface="Nyala"/>
+        <a:font script="Beng" typeface="Vrinda"/>
+        <a:font script="Gujr" typeface="Shruti"/>
+        <a:font script="Khmr" typeface="DaunPenh"/>
+        <a:font script="Knda" typeface="Tunga"/>
+        <a:font script="Guru" typeface="Raavi"/>
+        <a:font script="Cans" typeface="Euphemia"/>
+        <a:font script="Cher" typeface="Plantagenet Cherokee"/>
+        <a:font script="Yiii" typeface="Microsoft Yi Baiti"/>
+        <a:font script="Tibt" typeface="Microsoft Himalaya"/>
+        <a:font script="Thaa" typeface="MV Boli"/>
+        <a:font script="Deva" typeface="Mangal"/>
+        <a:font script="Telu" typeface="Gautami"/>
+        <a:font script="Taml" typeface="Latha"/>
+        <a:font script="Syrc" typeface="Estrangelo Edessa"/>
+        <a:font script="Orya" typeface="Kalinga"/>
+        <a:font script="Mlym" typeface="Kartika"/>
+        <a:font script="Laoo" typeface="DokChampa"/>
+        <a:font script="Sinh" typeface="Iskoola Pota"/>
+        <a:font script="Mong" typeface="Mongolian Baiti"/>
+        <a:font script="Viet" typeface="Arial"/>
+        <a:font script="Uigh" typeface="Microsoft Uighur"/>
+        <a:font script="Geor" typeface="Sylfaen"/>
+        <a:font script="Armn" typeface="Arial"/>
+        <a:font script="Bugi" typeface="Leelawadee UI"/>
+        <a:font script="Bopo" typeface="Microsoft JhengHei"/>
+        <a:font script="Java" typeface="Javanese Text"/>
+        <a:font script="Lisu" typeface="Segoe UI"/>
+        <a:font script="Mymr" typeface="Myanmar Text"/>
+        <a:font script="Nkoo" typeface="Ebrima"/>
+        <a:font script="Olck" typeface="Nirmala UI"/>
+        <a:font script="Osma" typeface="Ebrima"/>
+        <a:font script="Phag" typeface="Phagspa"/>
+        <a:font script="Syrn" typeface="Estrangelo Edessa"/>
+        <a:font script="Syrj" typeface="Estrangelo Edessa"/>
+        <a:font script="Syre" typeface="Estrangelo Edessa"/>
+        <a:font script="Sora" typeface="Nirmala UI"/>
+        <a:font script="Tale" typeface="Microsoft Tai Le"/>
+        <a:font script="Talu" typeface="Microsoft New Tai Lue"/>
+        <a:font script="Tfng" typeface="Ebrima"/>
+      </a:minorFont>
+    </a:fontScheme>
+    <a:fmtScheme name="Стандартная">
+      <a:fillStyleLst>
+        <a:solidFill>
+          <a:schemeClr val="phClr"/>
+        </a:solidFill>
+        <a:gradFill rotWithShape="1">
+          <a:gsLst>
+            <a:gs pos="0">
+              <a:schemeClr val="phClr">
+                <a:lumMod val="110000"/>
+                <a:satMod val="105000"/>
+                <a:tint val="67000"/>
+              </a:schemeClr>
+            </a:gs>
+            <a:gs pos="50000">
+              <a:schemeClr val="phClr">
+                <a:lumMod val="105000"/>
+                <a:satMod val="103000"/>
+                <a:tint val="73000"/>
+              </a:schemeClr>
+            </a:gs>
+            <a:gs pos="100000">
+              <a:schemeClr val="phClr">
+                <a:lumMod val="105000"/>
+                <a:satMod val="109000"/>
+                <a:tint val="81000"/>
+              </a:schemeClr>
+            </a:gs>
+          </a:gsLst>
+          <a:lin ang="5400000" scaled="0"/>
+        </a:gradFill>
+        <a:gradFill rotWithShape="1">
+          <a:gsLst>
+            <a:gs pos="0">
+              <a:schemeClr val="phClr">
+                <a:satMod val="103000"/>
+                <a:lumMod val="102000"/>
+                <a:tint val="94000"/>
+              </a:schemeClr>
+            </a:gs>
+            <a:gs pos="50000">
+              <a:schemeClr val="phClr">
+                <a:satMod val="110000"/>
+                <a:lumMod val="100000"/>
+                <a:shade val="100000"/>
+              </a:schemeClr>
+            </a:gs>
+            <a:gs pos="100000">
+              <a:schemeClr val="phClr">
+                <a:lumMod val="99000"/>
+                <a:satMod val="120000"/>
+                <a:shade val="78000"/>
+              </a:schemeClr>
+            </a:gs>
+          </a:gsLst>
+          <a:lin ang="5400000" scaled="0"/>
+        </a:gradFill>
+      </a:fillStyleLst>
+      <a:lnStyleLst>
+        <a:ln w="6350" cap="flat" cmpd="sng" algn="ctr">
+          <a:solidFill>
+            <a:schemeClr val="phClr"/>
+          </a:solidFill>
+          <a:prstDash val="solid"/>
+          <a:miter lim="800000"/>
+        </a:ln>
+        <a:ln w="12700" cap="flat" cmpd="sng" algn="ctr">
+          <a:solidFill>
+            <a:schemeClr val="phClr"/>
+          </a:solidFill>
+          <a:prstDash val="solid"/>
+          <a:miter lim="800000"/>
+        </a:ln>
+        <a:ln w="19050" cap="flat" cmpd="sng" algn="ctr">
+          <a:solidFill>
+            <a:schemeClr val="phClr"/>
+          </a:solidFill>
+          <a:prstDash val="solid"/>
+          <a:miter lim="800000"/>
+        </a:ln>
+      </a:lnStyleLst>
+      <a:effectStyleLst>
+        <a:effectStyle>
+          <a:effectLst/>
+        </a:effectStyle>
+        <a:effectStyle>
+          <a:effectLst/>
+        </a:effectStyle>
+        <a:effectStyle>
+          <a:effectLst>
+            <a:outerShdw blurRad="57150" dist="19050" dir="5400000" algn="ctr" rotWithShape="0">
+              <a:srgbClr val="000000">
+                <a:alpha val="63000"/>
+              </a:srgbClr>
+            </a:outerShdw>
+          </a:effectLst>
+        </a:effectStyle>
+      </a:effectStyleLst>
+      <a:bgFillStyleLst>
+        <a:solidFill>
+          <a:schemeClr val="phClr"/>
+        </a:solidFill>
+        <a:solidFill>
+          <a:schemeClr val="phClr">
+            <a:tint val="95000"/>
+            <a:satMod val="170000"/>
+          </a:schemeClr>
+        </a:solidFill>
+        <a:gradFill rotWithShape="1">
+          <a:gsLst>
+            <a:gs pos="0">
+              <a:schemeClr val="phClr">
+                <a:tint val="93000"/>
+                <a:satMod val="150000"/>
+                <a:shade val="98000"/>
+                <a:lumMod val="102000"/>
+              </a:schemeClr>
+            </a:gs>
+            <a:gs pos="50000">
+              <a:schemeClr val="phClr">
+                <a:tint val="98000"/>
+                <a:satMod val="130000"/>
+                <a:shade val="90000"/>
+                <a:lumMod val="103000"/>
+              </a:schemeClr>
+            </a:gs>
+            <a:gs pos="100000">
+              <a:schemeClr val="phClr">
+                <a:shade val="63000"/>
+                <a:satMod val="120000"/>
+              </a:schemeClr>
+            </a:gs>
+          </a:gsLst>
+          <a:lin ang="5400000" scaled="0"/>
+        </a:gradFill>
+      </a:bgFillStyleLst>
+    </a:fmtScheme>
+  </a:themeElements>
+  <a:objectDefaults/>
+  <a:extraClrSchemeLst/>
+  <a:extLst>
+    <a:ext uri="{05A4C25C-085E-4340-85A3-A5531E510DB2}">
+      <thm15:themeFamily xmlns:thm15="http://schemas.microsoft.com/office/thememl/2012/main" name="Office Theme" id="{62F939B6-93AF-4DB8-9C6B-D6C7DFDC589F}" vid="{4A3C46E8-61CC-4603-A589-7422A47A8E4A}"/>
+    </a:ext>
+  </a:extLst>
+</a:theme>
 </file>
--- a/Документация/Выступление.pptx
+++ b/Документация/Выступление.pptx
@@ -586,7 +586,26 @@
                 <a:ea typeface="Calibri" panose="020F0502020204030204" pitchFamily="34" charset="0"/>
                 <a:cs typeface="Times New Roman" panose="02020603050405020304" pitchFamily="18" charset="0"/>
               </a:rPr>
-              <a:t>Я хочу представить вашему вниманию свою дипломную работу «Клиент-серверное приложение по ведению региональных проектов субъектом РФ».</a:t>
+              <a:t>Я хочу представить вашему вниманию свою дипломную работу «Клиент-серверное приложение по ведению региональных проектов субъектом РФ». </a:t>
+            </a:r>
+          </a:p>
+          <a:p>
+            <a:pPr>
+              <a:lnSpc>
+                <a:spcPct val="107000"/>
+              </a:lnSpc>
+              <a:spcAft>
+                <a:spcPts val="800"/>
+              </a:spcAft>
+            </a:pPr>
+            <a:r>
+              <a:rPr lang="ru-RU" sz="1800" dirty="0">
+                <a:effectLst/>
+                <a:latin typeface="Calibri" panose="020F0502020204030204" pitchFamily="34" charset="0"/>
+                <a:ea typeface="Calibri" panose="020F0502020204030204" pitchFamily="34" charset="0"/>
+                <a:cs typeface="Times New Roman" panose="02020603050405020304" pitchFamily="18" charset="0"/>
+              </a:rPr>
+              <a:t>Данная тема была выбрана мной потому, что не имела большого количества аналогов, а также многие из тех, что есть, являют собой более урезанные версии по предоставлению всей необходимой информации.</a:t>
             </a:r>
           </a:p>
           <a:p>
@@ -1330,53 +1349,180 @@
         </p:nvSpPr>
         <p:spPr/>
       </p:sp>
-      <p:sp>
-        <p:nvSpPr>
-          <p:cNvPr id="3" name="Заметки 2"/>
-          <p:cNvSpPr>
-            <a:spLocks noGrp="1"/>
-          </p:cNvSpPr>
-          <p:nvPr>
-            <p:ph type="body" idx="1"/>
-          </p:nvPr>
-        </p:nvSpPr>
-        <p:spPr/>
-        <p:txBody>
-          <a:bodyPr/>
-          <a:lstStyle/>
-          <a:p>
-            <a:pPr marL="0" marR="0" lvl="0" indent="0" algn="l" defTabSz="914400" rtl="0" eaLnBrk="1" fontAlgn="auto" latinLnBrk="0" hangingPunct="1">
-              <a:lnSpc>
-                <a:spcPct val="100000"/>
-              </a:lnSpc>
-              <a:spcBef>
-                <a:spcPts val="0"/>
-              </a:spcBef>
-              <a:spcAft>
-                <a:spcPts val="0"/>
-              </a:spcAft>
-              <a:buClrTx/>
-              <a:buSzTx/>
-              <a:buFontTx/>
-              <a:buNone/>
-              <a:tabLst/>
-              <a:defRPr/>
-            </a:pPr>
-            <a:r>
-              <a:rPr lang="ru-RU" sz="1200" dirty="0">
-                <a:effectLst/>
-                <a:latin typeface="Calibri" panose="020F0502020204030204" pitchFamily="34" charset="0"/>
-                <a:ea typeface="Calibri" panose="020F0502020204030204" pitchFamily="34" charset="0"/>
-                <a:cs typeface="Times New Roman" panose="02020603050405020304" pitchFamily="18" charset="0"/>
-              </a:rPr>
-              <a:t>Также при работе над проектом мною была рассчитана конечная стоимость продукта, которая оказалась значительно ниже аналогов.</a:t>
-            </a:r>
-          </a:p>
-          <a:p>
-            <a:endParaRPr lang="ru-RU" dirty="0"/>
-          </a:p>
-        </p:txBody>
-      </p:sp>
+      <mc:AlternateContent xmlns:mc="http://schemas.openxmlformats.org/markup-compatibility/2006">
+        <mc:Choice xmlns:a14="http://schemas.microsoft.com/office/drawing/2010/main" Requires="a14">
+          <p:sp>
+            <p:nvSpPr>
+              <p:cNvPr id="3" name="Заметки 2"/>
+              <p:cNvSpPr>
+                <a:spLocks noGrp="1"/>
+              </p:cNvSpPr>
+              <p:nvPr>
+                <p:ph type="body" idx="1"/>
+              </p:nvPr>
+            </p:nvSpPr>
+            <p:spPr/>
+            <p:txBody>
+              <a:bodyPr/>
+              <a:lstStyle/>
+              <a:p>
+                <a:pPr marL="0" marR="0" lvl="0" indent="0" algn="l" defTabSz="914400" rtl="0" eaLnBrk="1" fontAlgn="auto" latinLnBrk="0" hangingPunct="1">
+                  <a:lnSpc>
+                    <a:spcPct val="100000"/>
+                  </a:lnSpc>
+                  <a:spcBef>
+                    <a:spcPts val="0"/>
+                  </a:spcBef>
+                  <a:spcAft>
+                    <a:spcPts val="0"/>
+                  </a:spcAft>
+                  <a:buClrTx/>
+                  <a:buSzTx/>
+                  <a:buFontTx/>
+                  <a:buNone/>
+                  <a:tabLst/>
+                  <a:defRPr/>
+                </a:pPr>
+                <a:r>
+                  <a:rPr lang="ru-RU" sz="1200" dirty="0">
+                    <a:effectLst/>
+                    <a:latin typeface="+mn-lt"/>
+                    <a:ea typeface="Calibri" panose="020F0502020204030204" pitchFamily="34" charset="0"/>
+                    <a:cs typeface="Times New Roman" panose="02020603050405020304" pitchFamily="18" charset="0"/>
+                  </a:rPr>
+                  <a:t>Также при работе над проектом мною была рассчитана конечная стоимость продукта, которая оказалась значительно ниже аналогов. (</a:t>
+                </a:r>
+                <a14:m>
+                  <m:oMath xmlns:m="http://schemas.openxmlformats.org/officeDocument/2006/math">
+                    <m:r>
+                      <m:rPr>
+                        <m:nor/>
+                      </m:rPr>
+                      <a:rPr lang="ru-RU" sz="1400" i="1" smtClean="0">
+                        <a:effectLst/>
+                        <a:latin typeface="+mn-lt"/>
+                        <a:ea typeface="Times New Roman" panose="02020603050405020304" pitchFamily="18" charset="0"/>
+                        <a:cs typeface="Times New Roman" panose="02020603050405020304" pitchFamily="18" charset="0"/>
+                      </a:rPr>
+                      <m:t>59 387,65 </m:t>
+                    </m:r>
+                  </m:oMath>
+                </a14:m>
+                <a:r>
+                  <a:rPr lang="ru-RU" sz="1400" dirty="0">
+                    <a:effectLst/>
+                    <a:latin typeface="+mn-lt"/>
+                    <a:ea typeface="Calibri" panose="020F0502020204030204" pitchFamily="34" charset="0"/>
+                    <a:cs typeface="Times New Roman" panose="02020603050405020304" pitchFamily="18" charset="0"/>
+                  </a:rPr>
+                  <a:t>рублей</a:t>
+                </a:r>
+                <a:r>
+                  <a:rPr lang="ru-RU" sz="1200" dirty="0">
+                    <a:effectLst/>
+                    <a:latin typeface="+mn-lt"/>
+                    <a:ea typeface="Calibri" panose="020F0502020204030204" pitchFamily="34" charset="0"/>
+                    <a:cs typeface="Times New Roman" panose="02020603050405020304" pitchFamily="18" charset="0"/>
+                  </a:rPr>
+                  <a:t>)</a:t>
+                </a:r>
+              </a:p>
+              <a:p>
+                <a:endParaRPr lang="ru-RU" dirty="0">
+                  <a:latin typeface="+mn-lt"/>
+                </a:endParaRPr>
+              </a:p>
+            </p:txBody>
+          </p:sp>
+        </mc:Choice>
+        <mc:Fallback>
+          <p:sp>
+            <p:nvSpPr>
+              <p:cNvPr id="3" name="Заметки 2"/>
+              <p:cNvSpPr>
+                <a:spLocks noGrp="1"/>
+              </p:cNvSpPr>
+              <p:nvPr>
+                <p:ph type="body" idx="1"/>
+              </p:nvPr>
+            </p:nvSpPr>
+            <p:spPr/>
+            <p:txBody>
+              <a:bodyPr/>
+              <a:lstStyle/>
+              <a:p>
+                <a:pPr marL="0" marR="0" lvl="0" indent="0" algn="l" defTabSz="914400" rtl="0" eaLnBrk="1" fontAlgn="auto" latinLnBrk="0" hangingPunct="1">
+                  <a:lnSpc>
+                    <a:spcPct val="100000"/>
+                  </a:lnSpc>
+                  <a:spcBef>
+                    <a:spcPts val="0"/>
+                  </a:spcBef>
+                  <a:spcAft>
+                    <a:spcPts val="0"/>
+                  </a:spcAft>
+                  <a:buClrTx/>
+                  <a:buSzTx/>
+                  <a:buFontTx/>
+                  <a:buNone/>
+                  <a:tabLst/>
+                  <a:defRPr/>
+                </a:pPr>
+                <a:r>
+                  <a:rPr lang="ru-RU" sz="1200" dirty="0">
+                    <a:effectLst/>
+                    <a:latin typeface="+mn-lt"/>
+                    <a:ea typeface="Calibri" panose="020F0502020204030204" pitchFamily="34" charset="0"/>
+                    <a:cs typeface="Times New Roman" panose="02020603050405020304" pitchFamily="18" charset="0"/>
+                  </a:rPr>
+                  <a:t>Также при работе над проектом мною была рассчитана конечная стоимость продукта, которая оказалась значительно ниже аналогов. (</a:t>
+                </a:r>
+                <a:r>
+                  <a:rPr lang="ru-RU" sz="1400" i="0">
+                    <a:effectLst/>
+                    <a:latin typeface="Cambria Math" panose="02040503050406030204" pitchFamily="18" charset="0"/>
+                    <a:ea typeface="Times New Roman" panose="02020603050405020304" pitchFamily="18" charset="0"/>
+                    <a:cs typeface="Times New Roman" panose="02020603050405020304" pitchFamily="18" charset="0"/>
+                  </a:rPr>
+                  <a:t>"59 387,65 </a:t>
+                </a:r>
+                <a:r>
+                  <a:rPr lang="ru-RU" sz="1400" i="0">
+                    <a:effectLst/>
+                    <a:latin typeface="+mn-lt"/>
+                    <a:ea typeface="Times New Roman" panose="02020603050405020304" pitchFamily="18" charset="0"/>
+                    <a:cs typeface="Times New Roman" panose="02020603050405020304" pitchFamily="18" charset="0"/>
+                  </a:rPr>
+                  <a:t>"</a:t>
+                </a:r>
+                <a:r>
+                  <a:rPr lang="ru-RU" sz="1400" dirty="0">
+                    <a:effectLst/>
+                    <a:latin typeface="+mn-lt"/>
+                    <a:ea typeface="Calibri" panose="020F0502020204030204" pitchFamily="34" charset="0"/>
+                    <a:cs typeface="Times New Roman" panose="02020603050405020304" pitchFamily="18" charset="0"/>
+                  </a:rPr>
+                  <a:t>рублей</a:t>
+                </a:r>
+                <a:r>
+                  <a:rPr lang="ru-RU" sz="1200" dirty="0">
+                    <a:effectLst/>
+                    <a:latin typeface="+mn-lt"/>
+                    <a:ea typeface="Calibri" panose="020F0502020204030204" pitchFamily="34" charset="0"/>
+                    <a:cs typeface="Times New Roman" panose="02020603050405020304" pitchFamily="18" charset="0"/>
+                  </a:rPr>
+                  <a:t>)</a:t>
+                </a:r>
+              </a:p>
+              <a:p>
+                <a:endParaRPr lang="ru-RU" dirty="0">
+                  <a:latin typeface="+mn-lt"/>
+                </a:endParaRPr>
+              </a:p>
+            </p:txBody>
+          </p:sp>
+        </mc:Fallback>
+      </mc:AlternateContent>
       <p:sp>
         <p:nvSpPr>
           <p:cNvPr id="4" name="Номер слайда 3"/>
@@ -8004,7 +8150,12 @@
             <p:ph idx="1"/>
           </p:nvPr>
         </p:nvSpPr>
-        <p:spPr/>
+        <p:spPr>
+          <a:xfrm>
+            <a:off x="677334" y="1676400"/>
+            <a:ext cx="8596668" cy="4985657"/>
+          </a:xfrm>
+        </p:spPr>
         <p:txBody>
           <a:bodyPr>
             <a:normAutofit/>
@@ -8020,7 +8171,7 @@
                   <a:schemeClr val="tx1"/>
                 </a:solidFill>
               </a:rPr>
-              <a:t>Результаты – все поставленные цели.</a:t>
+              <a:t>Результаты:</a:t>
             </a:r>
           </a:p>
           <a:p>
@@ -8032,6 +8183,19 @@
               </a:rPr>
               <a:t>Загрузка и отображение данных</a:t>
             </a:r>
+            <a:r>
+              <a:rPr lang="en-US" sz="2800" dirty="0">
+                <a:solidFill>
+                  <a:schemeClr val="tx1"/>
+                </a:solidFill>
+              </a:rPr>
+              <a:t>;</a:t>
+            </a:r>
+            <a:endParaRPr lang="ru-RU" sz="2800" dirty="0">
+              <a:solidFill>
+                <a:schemeClr val="tx1"/>
+              </a:solidFill>
+            </a:endParaRPr>
           </a:p>
           <a:p>
             <a:r>
@@ -8042,11 +8206,62 @@
               </a:rPr>
               <a:t>Просмотр информации о каждом региональном проекте</a:t>
             </a:r>
+            <a:r>
+              <a:rPr lang="en-US" sz="2800" dirty="0">
+                <a:solidFill>
+                  <a:schemeClr val="tx1"/>
+                </a:solidFill>
+              </a:rPr>
+              <a:t>.</a:t>
+            </a:r>
+            <a:endParaRPr lang="ru-RU" sz="2800" dirty="0">
+              <a:solidFill>
+                <a:schemeClr val="tx1"/>
+              </a:solidFill>
+            </a:endParaRPr>
           </a:p>
           <a:p>
             <a:pPr marL="0" indent="0">
               <a:buNone/>
             </a:pPr>
+            <a:r>
+              <a:rPr lang="ru-RU" sz="2800" dirty="0">
+                <a:solidFill>
+                  <a:schemeClr val="tx1"/>
+                </a:solidFill>
+              </a:rPr>
+              <a:t>Развитие:</a:t>
+            </a:r>
+          </a:p>
+          <a:p>
+            <a:r>
+              <a:rPr lang="ru-RU" sz="2800" dirty="0">
+                <a:solidFill>
+                  <a:schemeClr val="tx1"/>
+                </a:solidFill>
+              </a:rPr>
+              <a:t>Загрузка данных по составленному расписанию, вызываемое на стороне сервера</a:t>
+            </a:r>
+            <a:r>
+              <a:rPr lang="en-US" sz="2800" dirty="0">
+                <a:solidFill>
+                  <a:schemeClr val="tx1"/>
+                </a:solidFill>
+              </a:rPr>
+              <a:t>;</a:t>
+            </a:r>
+          </a:p>
+          <a:p>
+            <a:r>
+              <a:rPr lang="ru-RU" sz="2800" dirty="0">
+                <a:solidFill>
+                  <a:schemeClr val="tx1"/>
+                </a:solidFill>
+              </a:rPr>
+              <a:t>Добавление и редактирование локальных региональных проектов, а также их отслеживание </a:t>
+            </a:r>
+          </a:p>
+          <a:p>
             <a:endParaRPr lang="ru-RU" sz="2800" dirty="0">
               <a:solidFill>
                 <a:schemeClr val="tx1"/>

--- a/Документация/Выступление.pptx
+++ b/Документация/Выступление.pptx
@@ -5,17 +5,18 @@
     <p:sldMasterId id="2147483694" r:id="rId1"/>
   </p:sldMasterIdLst>
   <p:notesMasterIdLst>
-    <p:notesMasterId r:id="rId10"/>
+    <p:notesMasterId r:id="rId11"/>
   </p:notesMasterIdLst>
   <p:sldIdLst>
     <p:sldId id="256" r:id="rId2"/>
     <p:sldId id="257" r:id="rId3"/>
     <p:sldId id="258" r:id="rId4"/>
     <p:sldId id="263" r:id="rId5"/>
-    <p:sldId id="264" r:id="rId6"/>
-    <p:sldId id="262" r:id="rId7"/>
-    <p:sldId id="260" r:id="rId8"/>
-    <p:sldId id="259" r:id="rId9"/>
+    <p:sldId id="265" r:id="rId6"/>
+    <p:sldId id="264" r:id="rId7"/>
+    <p:sldId id="262" r:id="rId8"/>
+    <p:sldId id="260" r:id="rId9"/>
+    <p:sldId id="259" r:id="rId10"/>
   </p:sldIdLst>
   <p:sldSz cx="12192000" cy="6858000"/>
   <p:notesSz cx="6858000" cy="9144000"/>
@@ -1003,32 +1004,21 @@
           <a:p>
             <a:r>
               <a:rPr lang="ru-RU" dirty="0"/>
-              <a:t>Вот и сам </a:t>
-            </a:r>
-            <a:r>
-              <a:rPr lang="en-US" dirty="0" err="1"/>
-              <a:t>api</a:t>
+              <a:t>Следует обратить внимание, что сбор данных в систему происходит путем импорта данных с ЕПБС (Единый портал бюджетной системы - часть Электронного бюджета, говорить это не надо, просто чтобы знал). Для этого выполняется </a:t>
+            </a:r>
+            <a:r>
+              <a:rPr lang="ru-RU" dirty="0" err="1"/>
+              <a:t>http</a:t>
             </a:r>
             <a:r>
               <a:rPr lang="ru-RU" dirty="0"/>
-              <a:t>-ответ с запроса к порталу ЕБПС(</a:t>
-            </a:r>
-            <a:r>
-              <a:rPr lang="ru-RU" b="1" dirty="0"/>
-              <a:t>Единый портал бюджетной системы Россий- </a:t>
-            </a:r>
-            <a:r>
-              <a:rPr lang="ru-RU" b="1" dirty="0" err="1"/>
-              <a:t>ской</a:t>
-            </a:r>
-            <a:r>
-              <a:rPr lang="ru-RU" b="1" dirty="0"/>
-              <a:t> Федерации</a:t>
-            </a:r>
-            <a:r>
-              <a:rPr lang="ru-RU" dirty="0"/>
-              <a:t>). Он представляет собой многоуровневый и упорядоченный набор данных. Доступ ко многим разделам находится на более нижних уровнях, чем представлено на рисунке.</a:t>
-            </a:r>
+              <a:t>-запрос к URL с прокси параметрами, после чего получается ответ в </a:t>
+            </a:r>
+            <a:r>
+              <a:rPr lang="ru-RU"/>
+              <a:t>формате строки</a:t>
+            </a:r>
+            <a:endParaRPr lang="ru-RU" dirty="0"/>
           </a:p>
         </p:txBody>
       </p:sp>
@@ -1058,7 +1048,7 @@
     </p:spTree>
     <p:extLst>
       <p:ext uri="{BB962C8B-B14F-4D97-AF65-F5344CB8AC3E}">
-        <p14:creationId xmlns:p14="http://schemas.microsoft.com/office/powerpoint/2010/main" val="3031656410"/>
+        <p14:creationId xmlns:p14="http://schemas.microsoft.com/office/powerpoint/2010/main" val="4187331819"/>
       </p:ext>
     </p:extLst>
   </p:cSld>
@@ -1112,35 +1102,34 @@
           <a:bodyPr/>
           <a:lstStyle/>
           <a:p>
-            <a:pPr marL="0" marR="0" lvl="0" indent="0" algn="l" defTabSz="914400" rtl="0" eaLnBrk="1" fontAlgn="auto" latinLnBrk="0" hangingPunct="1">
-              <a:lnSpc>
-                <a:spcPct val="100000"/>
-              </a:lnSpc>
-              <a:spcBef>
-                <a:spcPts val="0"/>
-              </a:spcBef>
-              <a:spcAft>
-                <a:spcPts val="0"/>
-              </a:spcAft>
-              <a:buClrTx/>
-              <a:buSzTx/>
-              <a:buFontTx/>
-              <a:buNone/>
-              <a:tabLst/>
-              <a:defRPr/>
-            </a:pPr>
-            <a:r>
-              <a:rPr lang="ru-RU" sz="1800" dirty="0">
-                <a:effectLst/>
-                <a:latin typeface="Calibri" panose="020F0502020204030204" pitchFamily="34" charset="0"/>
-                <a:ea typeface="Calibri" panose="020F0502020204030204" pitchFamily="34" charset="0"/>
-                <a:cs typeface="Times New Roman" panose="02020603050405020304" pitchFamily="18" charset="0"/>
-              </a:rPr>
-              <a:t>Главной задачей приложения является показ информации об региональных проектах, поэтому на последнем плакате я показал работу модуля «Загрузки» (показываешь на второй плакат). Непосредственно саму работу модуля «Загрузки» и всего приложения я сейчас продемонстрирую. (Схема загрузки данных разнится)</a:t>
-            </a:r>
-          </a:p>
-          <a:p>
-            <a:endParaRPr lang="ru-RU" dirty="0"/>
+            <a:r>
+              <a:rPr lang="ru-RU" dirty="0"/>
+              <a:t>А вот и </a:t>
+            </a:r>
+            <a:r>
+              <a:rPr lang="en-US" dirty="0" err="1"/>
+              <a:t>api</a:t>
+            </a:r>
+            <a:r>
+              <a:rPr lang="ru-RU" dirty="0"/>
+              <a:t>-ответ с запроса к порталу ЕБПС(</a:t>
+            </a:r>
+            <a:r>
+              <a:rPr lang="ru-RU" b="1" dirty="0"/>
+              <a:t>Единый портал бюджетной системы Россий- </a:t>
+            </a:r>
+            <a:r>
+              <a:rPr lang="ru-RU" b="1" dirty="0" err="1"/>
+              <a:t>ской</a:t>
+            </a:r>
+            <a:r>
+              <a:rPr lang="ru-RU" b="1" dirty="0"/>
+              <a:t> Федерации</a:t>
+            </a:r>
+            <a:r>
+              <a:rPr lang="ru-RU" dirty="0"/>
+              <a:t>). Он представляет собой многоуровневый и упорядоченный набор данных. Доступ ко многим разделам находится на более нижних уровнях, чем представлено на рисунке.</a:t>
+            </a:r>
           </a:p>
         </p:txBody>
       </p:sp>
@@ -1170,7 +1159,7 @@
     </p:spTree>
     <p:extLst>
       <p:ext uri="{BB962C8B-B14F-4D97-AF65-F5344CB8AC3E}">
-        <p14:creationId xmlns:p14="http://schemas.microsoft.com/office/powerpoint/2010/main" val="2224232324"/>
+        <p14:creationId xmlns:p14="http://schemas.microsoft.com/office/powerpoint/2010/main" val="3031656410"/>
       </p:ext>
     </p:extLst>
   </p:cSld>
@@ -1224,13 +1213,22 @@
           <a:bodyPr/>
           <a:lstStyle/>
           <a:p>
-            <a:pPr>
+            <a:pPr marL="0" marR="0" lvl="0" indent="0" algn="l" defTabSz="914400" rtl="0" eaLnBrk="1" fontAlgn="auto" latinLnBrk="0" hangingPunct="1">
               <a:lnSpc>
-                <a:spcPct val="107000"/>
+                <a:spcPct val="100000"/>
               </a:lnSpc>
+              <a:spcBef>
+                <a:spcPts val="0"/>
+              </a:spcBef>
               <a:spcAft>
-                <a:spcPts val="800"/>
+                <a:spcPts val="0"/>
               </a:spcAft>
+              <a:buClrTx/>
+              <a:buSzTx/>
+              <a:buFontTx/>
+              <a:buNone/>
+              <a:tabLst/>
+              <a:defRPr/>
             </a:pPr>
             <a:r>
               <a:rPr lang="ru-RU" sz="1800" dirty="0">
@@ -1239,44 +1237,7 @@
                 <a:ea typeface="Calibri" panose="020F0502020204030204" pitchFamily="34" charset="0"/>
                 <a:cs typeface="Times New Roman" panose="02020603050405020304" pitchFamily="18" charset="0"/>
               </a:rPr>
-              <a:t>По итогу работы было разработано приложение, </a:t>
-            </a:r>
-            <a:r>
-              <a:rPr lang="ru-RU" sz="1800">
-                <a:effectLst/>
-                <a:latin typeface="Calibri" panose="020F0502020204030204" pitchFamily="34" charset="0"/>
-                <a:ea typeface="Calibri" panose="020F0502020204030204" pitchFamily="34" charset="0"/>
-                <a:cs typeface="Times New Roman" panose="02020603050405020304" pitchFamily="18" charset="0"/>
-              </a:rPr>
-              <a:t>позволяющее пользователю </a:t>
-            </a:r>
-            <a:r>
-              <a:rPr lang="ru-RU" sz="1800" dirty="0">
-                <a:effectLst/>
-                <a:latin typeface="Calibri" panose="020F0502020204030204" pitchFamily="34" charset="0"/>
-                <a:ea typeface="Calibri" panose="020F0502020204030204" pitchFamily="34" charset="0"/>
-                <a:cs typeface="Times New Roman" panose="02020603050405020304" pitchFamily="18" charset="0"/>
-              </a:rPr>
-              <a:t>просматривать и отслеживать сводку региональных проектов их цели и задачи.</a:t>
-            </a:r>
-          </a:p>
-          <a:p>
-            <a:pPr>
-              <a:lnSpc>
-                <a:spcPct val="107000"/>
-              </a:lnSpc>
-              <a:spcAft>
-                <a:spcPts val="800"/>
-              </a:spcAft>
-            </a:pPr>
-            <a:r>
-              <a:rPr lang="ru-RU" sz="1800" dirty="0">
-                <a:effectLst/>
-                <a:latin typeface="Calibri" panose="020F0502020204030204" pitchFamily="34" charset="0"/>
-                <a:ea typeface="Calibri" panose="020F0502020204030204" pitchFamily="34" charset="0"/>
-                <a:cs typeface="Times New Roman" panose="02020603050405020304" pitchFamily="18" charset="0"/>
-              </a:rPr>
-              <a:t>Главным достоинством можно выделить простоту в использовании приложения. Все действия выполняются на интуитивно понятном уровне.</a:t>
+              <a:t>Главной задачей приложения является показ информации об региональных проектах, поэтому на последнем плакате я показал работу модуля «Загрузки» (показываешь на второй плакат). Непосредственно саму работу модуля «Загрузки» и всего приложения я сейчас продемонстрирую. (Схема загрузки данных разнится)</a:t>
             </a:r>
           </a:p>
           <a:p>
@@ -1310,7 +1271,7 @@
     </p:spTree>
     <p:extLst>
       <p:ext uri="{BB962C8B-B14F-4D97-AF65-F5344CB8AC3E}">
-        <p14:creationId xmlns:p14="http://schemas.microsoft.com/office/powerpoint/2010/main" val="1694855064"/>
+        <p14:creationId xmlns:p14="http://schemas.microsoft.com/office/powerpoint/2010/main" val="2224232324"/>
       </p:ext>
     </p:extLst>
   </p:cSld>
@@ -1349,8 +1310,148 @@
         </p:nvSpPr>
         <p:spPr/>
       </p:sp>
-      <mc:AlternateContent xmlns:mc="http://schemas.openxmlformats.org/markup-compatibility/2006">
-        <mc:Choice xmlns:a14="http://schemas.microsoft.com/office/drawing/2010/main" Requires="a14">
+      <p:sp>
+        <p:nvSpPr>
+          <p:cNvPr id="3" name="Заметки 2"/>
+          <p:cNvSpPr>
+            <a:spLocks noGrp="1"/>
+          </p:cNvSpPr>
+          <p:nvPr>
+            <p:ph type="body" idx="1"/>
+          </p:nvPr>
+        </p:nvSpPr>
+        <p:spPr/>
+        <p:txBody>
+          <a:bodyPr/>
+          <a:lstStyle/>
+          <a:p>
+            <a:pPr>
+              <a:lnSpc>
+                <a:spcPct val="107000"/>
+              </a:lnSpc>
+              <a:spcAft>
+                <a:spcPts val="800"/>
+              </a:spcAft>
+            </a:pPr>
+            <a:r>
+              <a:rPr lang="ru-RU" sz="1800" dirty="0">
+                <a:effectLst/>
+                <a:latin typeface="Calibri" panose="020F0502020204030204" pitchFamily="34" charset="0"/>
+                <a:ea typeface="Calibri" panose="020F0502020204030204" pitchFamily="34" charset="0"/>
+                <a:cs typeface="Times New Roman" panose="02020603050405020304" pitchFamily="18" charset="0"/>
+              </a:rPr>
+              <a:t>По итогу работы было разработано приложение, </a:t>
+            </a:r>
+            <a:r>
+              <a:rPr lang="ru-RU" sz="1800">
+                <a:effectLst/>
+                <a:latin typeface="Calibri" panose="020F0502020204030204" pitchFamily="34" charset="0"/>
+                <a:ea typeface="Calibri" panose="020F0502020204030204" pitchFamily="34" charset="0"/>
+                <a:cs typeface="Times New Roman" panose="02020603050405020304" pitchFamily="18" charset="0"/>
+              </a:rPr>
+              <a:t>позволяющее пользователю </a:t>
+            </a:r>
+            <a:r>
+              <a:rPr lang="ru-RU" sz="1800" dirty="0">
+                <a:effectLst/>
+                <a:latin typeface="Calibri" panose="020F0502020204030204" pitchFamily="34" charset="0"/>
+                <a:ea typeface="Calibri" panose="020F0502020204030204" pitchFamily="34" charset="0"/>
+                <a:cs typeface="Times New Roman" panose="02020603050405020304" pitchFamily="18" charset="0"/>
+              </a:rPr>
+              <a:t>просматривать и отслеживать сводку региональных проектов их цели и задачи.</a:t>
+            </a:r>
+          </a:p>
+          <a:p>
+            <a:pPr>
+              <a:lnSpc>
+                <a:spcPct val="107000"/>
+              </a:lnSpc>
+              <a:spcAft>
+                <a:spcPts val="800"/>
+              </a:spcAft>
+            </a:pPr>
+            <a:r>
+              <a:rPr lang="ru-RU" sz="1800" dirty="0">
+                <a:effectLst/>
+                <a:latin typeface="Calibri" panose="020F0502020204030204" pitchFamily="34" charset="0"/>
+                <a:ea typeface="Calibri" panose="020F0502020204030204" pitchFamily="34" charset="0"/>
+                <a:cs typeface="Times New Roman" panose="02020603050405020304" pitchFamily="18" charset="0"/>
+              </a:rPr>
+              <a:t>Главным достоинством можно выделить простоту в использовании приложения. Все действия выполняются на интуитивно понятном уровне.</a:t>
+            </a:r>
+          </a:p>
+          <a:p>
+            <a:endParaRPr lang="ru-RU" dirty="0"/>
+          </a:p>
+        </p:txBody>
+      </p:sp>
+      <p:sp>
+        <p:nvSpPr>
+          <p:cNvPr id="4" name="Номер слайда 3"/>
+          <p:cNvSpPr>
+            <a:spLocks noGrp="1"/>
+          </p:cNvSpPr>
+          <p:nvPr>
+            <p:ph type="sldNum" sz="quarter" idx="5"/>
+          </p:nvPr>
+        </p:nvSpPr>
+        <p:spPr/>
+        <p:txBody>
+          <a:bodyPr/>
+          <a:lstStyle/>
+          <a:p>
+            <a:fld id="{D39FC642-518E-40E7-A460-0A1461830D90}" type="slidenum">
+              <a:rPr lang="ru-RU" smtClean="0"/>
+              <a:t>8</a:t>
+            </a:fld>
+            <a:endParaRPr lang="ru-RU"/>
+          </a:p>
+        </p:txBody>
+      </p:sp>
+    </p:spTree>
+    <p:extLst>
+      <p:ext uri="{BB962C8B-B14F-4D97-AF65-F5344CB8AC3E}">
+        <p14:creationId xmlns:p14="http://schemas.microsoft.com/office/powerpoint/2010/main" val="1694855064"/>
+      </p:ext>
+    </p:extLst>
+  </p:cSld>
+  <p:clrMapOvr>
+    <a:masterClrMapping/>
+  </p:clrMapOvr>
+</p:notes>
+</file>
+
+<file path=ppt/notesSlides/notesSlide9.xml><?xml version="1.0" encoding="utf-8"?>
+<p:notes xmlns:a="http://schemas.openxmlformats.org/drawingml/2006/main" xmlns:r="http://schemas.openxmlformats.org/officeDocument/2006/relationships" xmlns:p="http://schemas.openxmlformats.org/presentationml/2006/main">
+  <p:cSld>
+    <p:spTree>
+      <p:nvGrpSpPr>
+        <p:cNvPr id="1" name=""/>
+        <p:cNvGrpSpPr/>
+        <p:nvPr/>
+      </p:nvGrpSpPr>
+      <p:grpSpPr>
+        <a:xfrm>
+          <a:off x="0" y="0"/>
+          <a:ext cx="0" cy="0"/>
+          <a:chOff x="0" y="0"/>
+          <a:chExt cx="0" cy="0"/>
+        </a:xfrm>
+      </p:grpSpPr>
+      <p:sp>
+        <p:nvSpPr>
+          <p:cNvPr id="2" name="Образ слайда 1"/>
+          <p:cNvSpPr>
+            <a:spLocks noGrp="1" noRot="1" noChangeAspect="1"/>
+          </p:cNvSpPr>
+          <p:nvPr>
+            <p:ph type="sldImg"/>
+          </p:nvPr>
+        </p:nvSpPr>
+        <p:spPr/>
+      </p:sp>
+      <mc:AlternateContent xmlns:mc="http://schemas.openxmlformats.org/markup-compatibility/2006" xmlns:a14="http://schemas.microsoft.com/office/drawing/2010/main">
+        <mc:Choice Requires="a14">
           <p:sp>
             <p:nvSpPr>
               <p:cNvPr id="3" name="Заметки 2"/>
@@ -1435,7 +1536,7 @@
             </p:txBody>
           </p:sp>
         </mc:Choice>
-        <mc:Fallback>
+        <mc:Fallback xmlns="">
           <p:sp>
             <p:nvSpPr>
               <p:cNvPr id="3" name="Заметки 2"/>
@@ -1540,7 +1641,7 @@
           <a:p>
             <a:fld id="{D39FC642-518E-40E7-A460-0A1461830D90}" type="slidenum">
               <a:rPr lang="ru-RU" smtClean="0"/>
-              <a:t>8</a:t>
+              <a:t>9</a:t>
             </a:fld>
             <a:endParaRPr lang="ru-RU"/>
           </a:p>
@@ -7818,6 +7919,157 @@
       </p:grpSpPr>
       <p:sp>
         <p:nvSpPr>
+          <p:cNvPr id="6" name="Заголовок 1">
+            <a:extLst>
+              <a:ext uri="{FF2B5EF4-FFF2-40B4-BE49-F238E27FC236}">
+                <a16:creationId xmlns:a16="http://schemas.microsoft.com/office/drawing/2014/main" id="{BC46913A-737B-4E1D-9FAC-9C7D2D3E6029}"/>
+              </a:ext>
+            </a:extLst>
+          </p:cNvPr>
+          <p:cNvSpPr>
+            <a:spLocks noGrp="1"/>
+          </p:cNvSpPr>
+          <p:nvPr>
+            <p:ph type="title"/>
+          </p:nvPr>
+        </p:nvSpPr>
+        <p:spPr>
+          <a:xfrm>
+            <a:off x="441889" y="0"/>
+            <a:ext cx="9067557" cy="1320800"/>
+          </a:xfrm>
+        </p:spPr>
+        <p:txBody>
+          <a:bodyPr>
+            <a:normAutofit/>
+          </a:bodyPr>
+          <a:lstStyle/>
+          <a:p>
+            <a:r>
+              <a:rPr lang="ru-RU" sz="5400" dirty="0">
+                <a:solidFill>
+                  <a:schemeClr val="tx1"/>
+                </a:solidFill>
+              </a:rPr>
+              <a:t>Схема </a:t>
+            </a:r>
+            <a:r>
+              <a:rPr lang="en-US" sz="5400" dirty="0">
+                <a:solidFill>
+                  <a:schemeClr val="tx1"/>
+                </a:solidFill>
+              </a:rPr>
+              <a:t>API-</a:t>
+            </a:r>
+            <a:r>
+              <a:rPr lang="ru-RU" sz="5400" dirty="0">
+                <a:solidFill>
+                  <a:schemeClr val="tx1"/>
+                </a:solidFill>
+              </a:rPr>
+              <a:t>запроса</a:t>
+            </a:r>
+          </a:p>
+        </p:txBody>
+      </p:sp>
+      <p:pic>
+        <p:nvPicPr>
+          <p:cNvPr id="10" name="Рисунок 9">
+            <a:extLst>
+              <a:ext uri="{FF2B5EF4-FFF2-40B4-BE49-F238E27FC236}">
+                <a16:creationId xmlns:a16="http://schemas.microsoft.com/office/drawing/2014/main" id="{56C24F12-D369-4162-A28B-9498D6A0DB53}"/>
+              </a:ext>
+            </a:extLst>
+          </p:cNvPr>
+          <p:cNvPicPr>
+            <a:picLocks noChangeAspect="1"/>
+          </p:cNvPicPr>
+          <p:nvPr/>
+        </p:nvPicPr>
+        <p:blipFill>
+          <a:blip r:embed="rId3"/>
+          <a:stretch>
+            <a:fillRect/>
+          </a:stretch>
+        </p:blipFill>
+        <p:spPr>
+          <a:xfrm>
+            <a:off x="441889" y="1140215"/>
+            <a:ext cx="8015794" cy="971611"/>
+          </a:xfrm>
+          <a:prstGeom prst="rect">
+            <a:avLst/>
+          </a:prstGeom>
+        </p:spPr>
+      </p:pic>
+      <p:pic>
+        <p:nvPicPr>
+          <p:cNvPr id="12" name="Рисунок 11">
+            <a:extLst>
+              <a:ext uri="{FF2B5EF4-FFF2-40B4-BE49-F238E27FC236}">
+                <a16:creationId xmlns:a16="http://schemas.microsoft.com/office/drawing/2014/main" id="{C45838E4-AFEC-432A-9C4C-97C0E028833C}"/>
+              </a:ext>
+            </a:extLst>
+          </p:cNvPr>
+          <p:cNvPicPr>
+            <a:picLocks noChangeAspect="1"/>
+          </p:cNvPicPr>
+          <p:nvPr/>
+        </p:nvPicPr>
+        <p:blipFill>
+          <a:blip r:embed="rId4">
+            <a:extLst>
+              <a:ext uri="{28A0092B-C50C-407E-A947-70E740481C1C}">
+                <a14:useLocalDpi xmlns:a14="http://schemas.microsoft.com/office/drawing/2010/main" val="0"/>
+              </a:ext>
+            </a:extLst>
+          </a:blip>
+          <a:stretch>
+            <a:fillRect/>
+          </a:stretch>
+        </p:blipFill>
+        <p:spPr>
+          <a:xfrm>
+            <a:off x="2010725" y="2191233"/>
+            <a:ext cx="4878123" cy="3714812"/>
+          </a:xfrm>
+          <a:prstGeom prst="rect">
+            <a:avLst/>
+          </a:prstGeom>
+        </p:spPr>
+      </p:pic>
+    </p:spTree>
+    <p:extLst>
+      <p:ext uri="{BB962C8B-B14F-4D97-AF65-F5344CB8AC3E}">
+        <p14:creationId xmlns:p14="http://schemas.microsoft.com/office/powerpoint/2010/main" val="1914130033"/>
+      </p:ext>
+    </p:extLst>
+  </p:cSld>
+  <p:clrMapOvr>
+    <a:masterClrMapping/>
+  </p:clrMapOvr>
+</p:sld>
+</file>
+
+<file path=ppt/slides/slide6.xml><?xml version="1.0" encoding="utf-8"?>
+<p:sld xmlns:a="http://schemas.openxmlformats.org/drawingml/2006/main" xmlns:r="http://schemas.openxmlformats.org/officeDocument/2006/relationships" xmlns:p="http://schemas.openxmlformats.org/presentationml/2006/main">
+  <p:cSld>
+    <p:spTree>
+      <p:nvGrpSpPr>
+        <p:cNvPr id="1" name=""/>
+        <p:cNvGrpSpPr/>
+        <p:nvPr/>
+      </p:nvGrpSpPr>
+      <p:grpSpPr>
+        <a:xfrm>
+          <a:off x="0" y="0"/>
+          <a:ext cx="0" cy="0"/>
+          <a:chOff x="0" y="0"/>
+          <a:chExt cx="0" cy="0"/>
+        </a:xfrm>
+      </p:grpSpPr>
+      <p:sp>
+        <p:nvSpPr>
           <p:cNvPr id="2" name="Заголовок 1">
             <a:extLst>
               <a:ext uri="{FF2B5EF4-FFF2-40B4-BE49-F238E27FC236}">
@@ -7912,7 +8164,7 @@
 </p:sld>
 </file>
 
-<file path=ppt/slides/slide6.xml><?xml version="1.0" encoding="utf-8"?>
+<file path=ppt/slides/slide7.xml><?xml version="1.0" encoding="utf-8"?>
 <p:sld xmlns:a="http://schemas.openxmlformats.org/drawingml/2006/main" xmlns:r="http://schemas.openxmlformats.org/officeDocument/2006/relationships" xmlns:p="http://schemas.openxmlformats.org/presentationml/2006/main">
   <p:cSld>
     <p:spTree>
@@ -8083,7 +8335,7 @@
 </p:sld>
 </file>
 
-<file path=ppt/slides/slide7.xml><?xml version="1.0" encoding="utf-8"?>
+<file path=ppt/slides/slide8.xml><?xml version="1.0" encoding="utf-8"?>
 <p:sld xmlns:a="http://schemas.openxmlformats.org/drawingml/2006/main" xmlns:r="http://schemas.openxmlformats.org/officeDocument/2006/relationships" xmlns:p="http://schemas.openxmlformats.org/presentationml/2006/main">
   <p:cSld>
     <p:spTree>
@@ -8302,7 +8554,7 @@
 </p:sld>
 </file>
 
-<file path=ppt/slides/slide8.xml><?xml version="1.0" encoding="utf-8"?>
+<file path=ppt/slides/slide9.xml><?xml version="1.0" encoding="utf-8"?>
 <p:sld xmlns:a="http://schemas.openxmlformats.org/drawingml/2006/main" xmlns:r="http://schemas.openxmlformats.org/officeDocument/2006/relationships" xmlns:p="http://schemas.openxmlformats.org/presentationml/2006/main">
   <p:cSld>
     <p:spTree>
